--- a/session1/snakemake.pptx
+++ b/session1/snakemake.pptx
@@ -12,12 +12,11 @@
     <p:sldId id="259" r:id="rId6"/>
     <p:sldId id="262" r:id="rId7"/>
     <p:sldId id="260" r:id="rId8"/>
-    <p:sldId id="263" r:id="rId9"/>
-    <p:sldId id="267" r:id="rId10"/>
-    <p:sldId id="261" r:id="rId11"/>
-    <p:sldId id="264" r:id="rId12"/>
-    <p:sldId id="266" r:id="rId13"/>
-    <p:sldId id="268" r:id="rId14"/>
+    <p:sldId id="267" r:id="rId9"/>
+    <p:sldId id="261" r:id="rId10"/>
+    <p:sldId id="264" r:id="rId11"/>
+    <p:sldId id="266" r:id="rId12"/>
+    <p:sldId id="268" r:id="rId13"/>
   </p:sldIdLst>
   <p:sldSz cx="12192000" cy="6858000"/>
   <p:notesSz cx="6858000" cy="9144000"/>
@@ -116,7 +115,101 @@
       </a:defRPr>
     </a:lvl9pPr>
   </p:defaultTextStyle>
+  <p:extLst>
+    <p:ext uri="{EFAFB233-063F-42B5-8137-9DF3F51BA10A}">
+      <p15:sldGuideLst xmlns:p15="http://schemas.microsoft.com/office/powerpoint/2012/main"/>
+    </p:ext>
+  </p:extLst>
 </p:presentation>
+</file>
+
+<file path=ppt/revisionInfo.xml><?xml version="1.0" encoding="utf-8"?>
+<p1510:revInfo xmlns:a="http://schemas.openxmlformats.org/drawingml/2006/main" xmlns:r="http://schemas.openxmlformats.org/officeDocument/2006/relationships" xmlns:p1510="http://schemas.microsoft.com/office/powerpoint/2015/10/main">
+  <p1510:revLst>
+    <p1510:client id="{B31D5223-7E8C-F841-A51C-39083DCC29FB}" v="1" dt="2023-10-24T20:25:52.925"/>
+  </p1510:revLst>
+</p1510:revInfo>
+</file>
+
+<file path=ppt/changesInfos/changesInfo1.xml><?xml version="1.0" encoding="utf-8"?>
+<pc:chgInfo xmlns:a="http://schemas.openxmlformats.org/drawingml/2006/main" xmlns:r="http://schemas.openxmlformats.org/officeDocument/2006/relationships" xmlns:ac="http://schemas.microsoft.com/office/drawing/2013/main/command" xmlns:pc="http://schemas.microsoft.com/office/powerpoint/2013/main/command">
+  <pc:docChgLst>
+    <pc:chgData name="Srinivasa Rao" userId="a6b54366-f13d-4292-8bb4-f06c50909b1e" providerId="ADAL" clId="{B31D5223-7E8C-F841-A51C-39083DCC29FB}"/>
+    <pc:docChg chg="delSld modSld sldOrd">
+      <pc:chgData name="Srinivasa Rao" userId="a6b54366-f13d-4292-8bb4-f06c50909b1e" providerId="ADAL" clId="{B31D5223-7E8C-F841-A51C-39083DCC29FB}" dt="2023-10-24T20:26:05.575" v="67" actId="1076"/>
+      <pc:docMkLst>
+        <pc:docMk/>
+      </pc:docMkLst>
+      <pc:sldChg chg="addSp modSp mod">
+        <pc:chgData name="Srinivasa Rao" userId="a6b54366-f13d-4292-8bb4-f06c50909b1e" providerId="ADAL" clId="{B31D5223-7E8C-F841-A51C-39083DCC29FB}" dt="2023-10-24T20:26:05.575" v="67" actId="1076"/>
+        <pc:sldMkLst>
+          <pc:docMk/>
+          <pc:sldMk cId="3455882115" sldId="258"/>
+        </pc:sldMkLst>
+        <pc:picChg chg="add mod">
+          <ac:chgData name="Srinivasa Rao" userId="a6b54366-f13d-4292-8bb4-f06c50909b1e" providerId="ADAL" clId="{B31D5223-7E8C-F841-A51C-39083DCC29FB}" dt="2023-10-24T20:26:05.575" v="67" actId="1076"/>
+          <ac:picMkLst>
+            <pc:docMk/>
+            <pc:sldMk cId="3455882115" sldId="258"/>
+            <ac:picMk id="4" creationId="{A1DB61D0-74F5-5CE7-1D92-401DBAC324B5}"/>
+          </ac:picMkLst>
+        </pc:picChg>
+      </pc:sldChg>
+      <pc:sldChg chg="modSp mod">
+        <pc:chgData name="Srinivasa Rao" userId="a6b54366-f13d-4292-8bb4-f06c50909b1e" providerId="ADAL" clId="{B31D5223-7E8C-F841-A51C-39083DCC29FB}" dt="2023-10-24T19:25:44.947" v="4" actId="20577"/>
+        <pc:sldMkLst>
+          <pc:docMk/>
+          <pc:sldMk cId="109983096" sldId="260"/>
+        </pc:sldMkLst>
+        <pc:spChg chg="mod">
+          <ac:chgData name="Srinivasa Rao" userId="a6b54366-f13d-4292-8bb4-f06c50909b1e" providerId="ADAL" clId="{B31D5223-7E8C-F841-A51C-39083DCC29FB}" dt="2023-10-24T19:25:44.947" v="4" actId="20577"/>
+          <ac:spMkLst>
+            <pc:docMk/>
+            <pc:sldMk cId="109983096" sldId="260"/>
+            <ac:spMk id="3" creationId="{CBD21FCE-F47E-4029-A051-C5B21DF776B3}"/>
+          </ac:spMkLst>
+        </pc:spChg>
+      </pc:sldChg>
+      <pc:sldChg chg="del ord">
+        <pc:chgData name="Srinivasa Rao" userId="a6b54366-f13d-4292-8bb4-f06c50909b1e" providerId="ADAL" clId="{B31D5223-7E8C-F841-A51C-39083DCC29FB}" dt="2023-10-24T19:29:24.036" v="7" actId="2696"/>
+        <pc:sldMkLst>
+          <pc:docMk/>
+          <pc:sldMk cId="807480579" sldId="263"/>
+        </pc:sldMkLst>
+      </pc:sldChg>
+      <pc:sldChg chg="modSp mod">
+        <pc:chgData name="Srinivasa Rao" userId="a6b54366-f13d-4292-8bb4-f06c50909b1e" providerId="ADAL" clId="{B31D5223-7E8C-F841-A51C-39083DCC29FB}" dt="2023-10-24T19:24:59.303" v="2"/>
+        <pc:sldMkLst>
+          <pc:docMk/>
+          <pc:sldMk cId="2496107508" sldId="265"/>
+        </pc:sldMkLst>
+        <pc:spChg chg="mod">
+          <ac:chgData name="Srinivasa Rao" userId="a6b54366-f13d-4292-8bb4-f06c50909b1e" providerId="ADAL" clId="{B31D5223-7E8C-F841-A51C-39083DCC29FB}" dt="2023-10-24T19:24:59.303" v="2"/>
+          <ac:spMkLst>
+            <pc:docMk/>
+            <pc:sldMk cId="2496107508" sldId="265"/>
+            <ac:spMk id="3" creationId="{5B2BA047-6C42-4BB2-8843-D8ABA3AD3FFA}"/>
+          </ac:spMkLst>
+        </pc:spChg>
+      </pc:sldChg>
+      <pc:sldChg chg="modSp mod ord">
+        <pc:chgData name="Srinivasa Rao" userId="a6b54366-f13d-4292-8bb4-f06c50909b1e" providerId="ADAL" clId="{B31D5223-7E8C-F841-A51C-39083DCC29FB}" dt="2023-10-24T19:38:46.388" v="63" actId="20577"/>
+        <pc:sldMkLst>
+          <pc:docMk/>
+          <pc:sldMk cId="1184778450" sldId="268"/>
+        </pc:sldMkLst>
+        <pc:spChg chg="mod">
+          <ac:chgData name="Srinivasa Rao" userId="a6b54366-f13d-4292-8bb4-f06c50909b1e" providerId="ADAL" clId="{B31D5223-7E8C-F841-A51C-39083DCC29FB}" dt="2023-10-24T19:38:46.388" v="63" actId="20577"/>
+          <ac:spMkLst>
+            <pc:docMk/>
+            <pc:sldMk cId="1184778450" sldId="268"/>
+            <ac:spMk id="3" creationId="{CBD21FCE-F47E-4029-A051-C5B21DF776B3}"/>
+          </ac:spMkLst>
+        </pc:spChg>
+      </pc:sldChg>
+    </pc:docChg>
+  </pc:docChgLst>
+</pc:chgInfo>
 </file>
 
 <file path=ppt/slideLayouts/slideLayout1.xml><?xml version="1.0" encoding="utf-8"?>
@@ -268,7 +361,7 @@
           <a:p>
             <a:fld id="{3B6262EC-25EB-4809-BB80-44BF7F8BB39D}" type="datetimeFigureOut">
               <a:rPr lang="en-GB" smtClean="0"/>
-              <a:t>22/10/2020</a:t>
+              <a:t>24/10/2023</a:t>
             </a:fld>
             <a:endParaRPr lang="en-GB"/>
           </a:p>
@@ -468,7 +561,7 @@
           <a:p>
             <a:fld id="{3B6262EC-25EB-4809-BB80-44BF7F8BB39D}" type="datetimeFigureOut">
               <a:rPr lang="en-GB" smtClean="0"/>
-              <a:t>22/10/2020</a:t>
+              <a:t>24/10/2023</a:t>
             </a:fld>
             <a:endParaRPr lang="en-GB"/>
           </a:p>
@@ -678,7 +771,7 @@
           <a:p>
             <a:fld id="{3B6262EC-25EB-4809-BB80-44BF7F8BB39D}" type="datetimeFigureOut">
               <a:rPr lang="en-GB" smtClean="0"/>
-              <a:t>22/10/2020</a:t>
+              <a:t>24/10/2023</a:t>
             </a:fld>
             <a:endParaRPr lang="en-GB"/>
           </a:p>
@@ -878,7 +971,7 @@
           <a:p>
             <a:fld id="{3B6262EC-25EB-4809-BB80-44BF7F8BB39D}" type="datetimeFigureOut">
               <a:rPr lang="en-GB" smtClean="0"/>
-              <a:t>22/10/2020</a:t>
+              <a:t>24/10/2023</a:t>
             </a:fld>
             <a:endParaRPr lang="en-GB"/>
           </a:p>
@@ -1154,7 +1247,7 @@
           <a:p>
             <a:fld id="{3B6262EC-25EB-4809-BB80-44BF7F8BB39D}" type="datetimeFigureOut">
               <a:rPr lang="en-GB" smtClean="0"/>
-              <a:t>22/10/2020</a:t>
+              <a:t>24/10/2023</a:t>
             </a:fld>
             <a:endParaRPr lang="en-GB"/>
           </a:p>
@@ -1422,7 +1515,7 @@
           <a:p>
             <a:fld id="{3B6262EC-25EB-4809-BB80-44BF7F8BB39D}" type="datetimeFigureOut">
               <a:rPr lang="en-GB" smtClean="0"/>
-              <a:t>22/10/2020</a:t>
+              <a:t>24/10/2023</a:t>
             </a:fld>
             <a:endParaRPr lang="en-GB"/>
           </a:p>
@@ -1837,7 +1930,7 @@
           <a:p>
             <a:fld id="{3B6262EC-25EB-4809-BB80-44BF7F8BB39D}" type="datetimeFigureOut">
               <a:rPr lang="en-GB" smtClean="0"/>
-              <a:t>22/10/2020</a:t>
+              <a:t>24/10/2023</a:t>
             </a:fld>
             <a:endParaRPr lang="en-GB"/>
           </a:p>
@@ -1979,7 +2072,7 @@
           <a:p>
             <a:fld id="{3B6262EC-25EB-4809-BB80-44BF7F8BB39D}" type="datetimeFigureOut">
               <a:rPr lang="en-GB" smtClean="0"/>
-              <a:t>22/10/2020</a:t>
+              <a:t>24/10/2023</a:t>
             </a:fld>
             <a:endParaRPr lang="en-GB"/>
           </a:p>
@@ -2092,7 +2185,7 @@
           <a:p>
             <a:fld id="{3B6262EC-25EB-4809-BB80-44BF7F8BB39D}" type="datetimeFigureOut">
               <a:rPr lang="en-GB" smtClean="0"/>
-              <a:t>22/10/2020</a:t>
+              <a:t>24/10/2023</a:t>
             </a:fld>
             <a:endParaRPr lang="en-GB"/>
           </a:p>
@@ -2405,7 +2498,7 @@
           <a:p>
             <a:fld id="{3B6262EC-25EB-4809-BB80-44BF7F8BB39D}" type="datetimeFigureOut">
               <a:rPr lang="en-GB" smtClean="0"/>
-              <a:t>22/10/2020</a:t>
+              <a:t>24/10/2023</a:t>
             </a:fld>
             <a:endParaRPr lang="en-GB"/>
           </a:p>
@@ -2694,7 +2787,7 @@
           <a:p>
             <a:fld id="{3B6262EC-25EB-4809-BB80-44BF7F8BB39D}" type="datetimeFigureOut">
               <a:rPr lang="en-GB" smtClean="0"/>
-              <a:t>22/10/2020</a:t>
+              <a:t>24/10/2023</a:t>
             </a:fld>
             <a:endParaRPr lang="en-GB"/>
           </a:p>
@@ -2937,7 +3030,7 @@
           <a:p>
             <a:fld id="{3B6262EC-25EB-4809-BB80-44BF7F8BB39D}" type="datetimeFigureOut">
               <a:rPr lang="en-GB" smtClean="0"/>
-              <a:t>22/10/2020</a:t>
+              <a:t>24/10/2023</a:t>
             </a:fld>
             <a:endParaRPr lang="en-GB"/>
           </a:p>
@@ -3467,433 +3560,6 @@
         </p:nvSpPr>
         <p:spPr>
           <a:xfrm>
-            <a:off x="838200" y="1133"/>
-            <a:ext cx="10515600" cy="1325563"/>
-          </a:xfrm>
-        </p:spPr>
-        <p:txBody>
-          <a:bodyPr/>
-          <a:lstStyle/>
-          <a:p>
-            <a:r>
-              <a:rPr lang="en-GB" b="1" dirty="0"/>
-              <a:t>How to build a multi-step workflow</a:t>
-            </a:r>
-          </a:p>
-        </p:txBody>
-      </p:sp>
-      <p:sp>
-        <p:nvSpPr>
-          <p:cNvPr id="3" name="Content Placeholder 2">
-            <a:extLst>
-              <a:ext uri="{FF2B5EF4-FFF2-40B4-BE49-F238E27FC236}">
-                <a16:creationId xmlns:a16="http://schemas.microsoft.com/office/drawing/2014/main" id="{CBD21FCE-F47E-4029-A051-C5B21DF776B3}"/>
-              </a:ext>
-            </a:extLst>
-          </p:cNvPr>
-          <p:cNvSpPr>
-            <a:spLocks noGrp="1"/>
-          </p:cNvSpPr>
-          <p:nvPr>
-            <p:ph idx="1"/>
-          </p:nvPr>
-        </p:nvSpPr>
-        <p:spPr>
-          <a:xfrm>
-            <a:off x="838200" y="3625213"/>
-            <a:ext cx="7705436" cy="1844660"/>
-          </a:xfrm>
-        </p:spPr>
-        <p:txBody>
-          <a:bodyPr>
-            <a:normAutofit fontScale="92500" lnSpcReduction="10000"/>
-          </a:bodyPr>
-          <a:lstStyle/>
-          <a:p>
-            <a:pPr marL="0" indent="0">
-              <a:buNone/>
-            </a:pPr>
-            <a:r>
-              <a:rPr lang="en-GB" dirty="0">
-                <a:solidFill>
-                  <a:schemeClr val="bg1"/>
-                </a:solidFill>
-                <a:highlight>
-                  <a:srgbClr val="000000"/>
-                </a:highlight>
-                <a:latin typeface="Courier New" panose="02070309020205020404" pitchFamily="49" charset="0"/>
-                <a:cs typeface="Courier New" panose="02070309020205020404" pitchFamily="49" charset="0"/>
-              </a:rPr>
-              <a:t>rule all:</a:t>
-            </a:r>
-          </a:p>
-          <a:p>
-            <a:pPr marL="0" indent="0">
-              <a:buNone/>
-            </a:pPr>
-            <a:r>
-              <a:rPr lang="en-GB" dirty="0">
-                <a:solidFill>
-                  <a:schemeClr val="bg1"/>
-                </a:solidFill>
-                <a:highlight>
-                  <a:srgbClr val="000000"/>
-                </a:highlight>
-                <a:latin typeface="Courier New" panose="02070309020205020404" pitchFamily="49" charset="0"/>
-                <a:cs typeface="Courier New" panose="02070309020205020404" pitchFamily="49" charset="0"/>
-              </a:rPr>
-              <a:t>	input: </a:t>
-            </a:r>
-          </a:p>
-          <a:p>
-            <a:pPr marL="0" indent="0">
-              <a:buNone/>
-            </a:pPr>
-            <a:r>
-              <a:rPr lang="en-GB" dirty="0">
-                <a:solidFill>
-                  <a:schemeClr val="bg1"/>
-                </a:solidFill>
-                <a:highlight>
-                  <a:srgbClr val="000000"/>
-                </a:highlight>
-                <a:latin typeface="Courier New" panose="02070309020205020404" pitchFamily="49" charset="0"/>
-                <a:cs typeface="Courier New" panose="02070309020205020404" pitchFamily="49" charset="0"/>
-              </a:rPr>
-              <a:t>		r1 = “final_result1.txt”,</a:t>
-            </a:r>
-          </a:p>
-          <a:p>
-            <a:pPr marL="0" indent="0">
-              <a:buNone/>
-            </a:pPr>
-            <a:r>
-              <a:rPr lang="en-GB" dirty="0">
-                <a:solidFill>
-                  <a:schemeClr val="bg1"/>
-                </a:solidFill>
-                <a:highlight>
-                  <a:srgbClr val="000000"/>
-                </a:highlight>
-                <a:latin typeface="Courier New" panose="02070309020205020404" pitchFamily="49" charset="0"/>
-                <a:cs typeface="Courier New" panose="02070309020205020404" pitchFamily="49" charset="0"/>
-              </a:rPr>
-              <a:t>		r2 = “final_result2.txt”</a:t>
-            </a:r>
-          </a:p>
-        </p:txBody>
-      </p:sp>
-      <p:pic>
-        <p:nvPicPr>
-          <p:cNvPr id="4" name="Picture 3" descr="Diagram&#10;&#10;Description automatically generated">
-            <a:extLst>
-              <a:ext uri="{FF2B5EF4-FFF2-40B4-BE49-F238E27FC236}">
-                <a16:creationId xmlns:a16="http://schemas.microsoft.com/office/drawing/2014/main" id="{FCED53CF-262E-41EE-ACAE-4706D6A1B1B4}"/>
-              </a:ext>
-            </a:extLst>
-          </p:cNvPr>
-          <p:cNvPicPr>
-            <a:picLocks noChangeAspect="1"/>
-          </p:cNvPicPr>
-          <p:nvPr/>
-        </p:nvPicPr>
-        <p:blipFill>
-          <a:blip r:embed="rId2">
-            <a:extLst>
-              <a:ext uri="{28A0092B-C50C-407E-A947-70E740481C1C}">
-                <a14:useLocalDpi xmlns:a14="http://schemas.microsoft.com/office/drawing/2010/main" val="0"/>
-              </a:ext>
-            </a:extLst>
-          </a:blip>
-          <a:stretch>
-            <a:fillRect/>
-          </a:stretch>
-        </p:blipFill>
-        <p:spPr>
-          <a:xfrm>
-            <a:off x="10217241" y="3359690"/>
-            <a:ext cx="1800225" cy="3305175"/>
-          </a:xfrm>
-          <a:prstGeom prst="rect">
-            <a:avLst/>
-          </a:prstGeom>
-        </p:spPr>
-      </p:pic>
-      <p:sp>
-        <p:nvSpPr>
-          <p:cNvPr id="8" name="TextBox 7">
-            <a:extLst>
-              <a:ext uri="{FF2B5EF4-FFF2-40B4-BE49-F238E27FC236}">
-                <a16:creationId xmlns:a16="http://schemas.microsoft.com/office/drawing/2014/main" id="{48486939-A109-43F2-92EE-A4D9262C7D06}"/>
-              </a:ext>
-            </a:extLst>
-          </p:cNvPr>
-          <p:cNvSpPr txBox="1"/>
-          <p:nvPr/>
-        </p:nvSpPr>
-        <p:spPr>
-          <a:xfrm>
-            <a:off x="838200" y="1028343"/>
-            <a:ext cx="11084511" cy="1569660"/>
-          </a:xfrm>
-          <a:prstGeom prst="rect">
-            <a:avLst/>
-          </a:prstGeom>
-          <a:noFill/>
-        </p:spPr>
-        <p:txBody>
-          <a:bodyPr wrap="square">
-            <a:spAutoFit/>
-          </a:bodyPr>
-          <a:lstStyle/>
-          <a:p>
-            <a:pPr marL="342900" indent="-342900">
-              <a:buFont typeface="Arial" panose="020B0604020202020204" pitchFamily="34" charset="0"/>
-              <a:buChar char="•"/>
-            </a:pPr>
-            <a:r>
-              <a:rPr lang="en-GB" sz="2400" dirty="0">
-                <a:cs typeface="Courier New" panose="02070309020205020404" pitchFamily="49" charset="0"/>
-              </a:rPr>
-              <a:t>When constructing a workflow, it may help to think ‘backwards’</a:t>
-            </a:r>
-          </a:p>
-          <a:p>
-            <a:pPr marL="800100" lvl="1" indent="-342900">
-              <a:buFont typeface="Arial" panose="020B0604020202020204" pitchFamily="34" charset="0"/>
-              <a:buChar char="•"/>
-            </a:pPr>
-            <a:r>
-              <a:rPr lang="en-GB" dirty="0">
-                <a:cs typeface="Courier New" panose="02070309020205020404" pitchFamily="49" charset="0"/>
-              </a:rPr>
-              <a:t>The </a:t>
-            </a:r>
-            <a:r>
-              <a:rPr lang="en-GB" dirty="0">
-                <a:solidFill>
-                  <a:schemeClr val="bg1"/>
-                </a:solidFill>
-                <a:highlight>
-                  <a:srgbClr val="000000"/>
-                </a:highlight>
-                <a:latin typeface="Courier New" panose="02070309020205020404" pitchFamily="49" charset="0"/>
-                <a:cs typeface="Courier New" panose="02070309020205020404" pitchFamily="49" charset="0"/>
-              </a:rPr>
-              <a:t>input</a:t>
-            </a:r>
-            <a:r>
-              <a:rPr lang="en-GB" dirty="0">
-                <a:cs typeface="Courier New" panose="02070309020205020404" pitchFamily="49" charset="0"/>
-              </a:rPr>
-              <a:t> of the first rule (= target rule) is the final results you desire; target rule does not need </a:t>
-            </a:r>
-            <a:r>
-              <a:rPr lang="en-GB" dirty="0">
-                <a:solidFill>
-                  <a:schemeClr val="bg1"/>
-                </a:solidFill>
-                <a:highlight>
-                  <a:srgbClr val="000000"/>
-                </a:highlight>
-                <a:latin typeface="Courier New" panose="02070309020205020404" pitchFamily="49" charset="0"/>
-                <a:cs typeface="Courier New" panose="02070309020205020404" pitchFamily="49" charset="0"/>
-              </a:rPr>
-              <a:t>output</a:t>
-            </a:r>
-          </a:p>
-          <a:p>
-            <a:pPr marL="800100" lvl="1" indent="-342900">
-              <a:buFont typeface="Arial" panose="020B0604020202020204" pitchFamily="34" charset="0"/>
-              <a:buChar char="•"/>
-            </a:pPr>
-            <a:r>
-              <a:rPr lang="en-GB" sz="1800" dirty="0">
-                <a:cs typeface="Courier New" panose="02070309020205020404" pitchFamily="49" charset="0"/>
-              </a:rPr>
-              <a:t>Which rule’s </a:t>
-            </a:r>
-            <a:r>
-              <a:rPr lang="en-GB" sz="1800" dirty="0">
-                <a:solidFill>
-                  <a:schemeClr val="bg1"/>
-                </a:solidFill>
-                <a:highlight>
-                  <a:srgbClr val="000000"/>
-                </a:highlight>
-                <a:latin typeface="Courier New" panose="02070309020205020404" pitchFamily="49" charset="0"/>
-                <a:cs typeface="Courier New" panose="02070309020205020404" pitchFamily="49" charset="0"/>
-              </a:rPr>
-              <a:t>output</a:t>
-            </a:r>
-            <a:r>
-              <a:rPr lang="en-GB" sz="1800" dirty="0">
-                <a:cs typeface="Courier New" panose="02070309020205020404" pitchFamily="49" charset="0"/>
-              </a:rPr>
-              <a:t> creates the </a:t>
-            </a:r>
-            <a:r>
-              <a:rPr lang="en-GB" sz="1800" dirty="0">
-                <a:solidFill>
-                  <a:schemeClr val="bg1"/>
-                </a:solidFill>
-                <a:highlight>
-                  <a:srgbClr val="000000"/>
-                </a:highlight>
-                <a:latin typeface="Courier New" panose="02070309020205020404" pitchFamily="49" charset="0"/>
-                <a:cs typeface="Courier New" panose="02070309020205020404" pitchFamily="49" charset="0"/>
-              </a:rPr>
-              <a:t>input</a:t>
-            </a:r>
-            <a:r>
-              <a:rPr lang="en-GB" sz="1800" dirty="0">
-                <a:cs typeface="Courier New" panose="02070309020205020404" pitchFamily="49" charset="0"/>
-              </a:rPr>
-              <a:t> for the target rule? (let’s call this rule </a:t>
-            </a:r>
-            <a:r>
-              <a:rPr lang="en-GB" sz="1800" dirty="0" err="1">
-                <a:cs typeface="Courier New" panose="02070309020205020404" pitchFamily="49" charset="0"/>
-              </a:rPr>
-              <a:t>penultimate_rule</a:t>
-            </a:r>
-            <a:r>
-              <a:rPr lang="en-GB" sz="1800" dirty="0">
-                <a:cs typeface="Courier New" panose="02070309020205020404" pitchFamily="49" charset="0"/>
-              </a:rPr>
-              <a:t>)</a:t>
-            </a:r>
-          </a:p>
-          <a:p>
-            <a:pPr marL="800100" lvl="1" indent="-342900">
-              <a:buFont typeface="Arial" panose="020B0604020202020204" pitchFamily="34" charset="0"/>
-              <a:buChar char="•"/>
-            </a:pPr>
-            <a:r>
-              <a:rPr lang="en-GB" sz="1800" dirty="0">
-                <a:cs typeface="Courier New" panose="02070309020205020404" pitchFamily="49" charset="0"/>
-              </a:rPr>
-              <a:t>Which rule creates the </a:t>
-            </a:r>
-            <a:r>
-              <a:rPr lang="en-GB" sz="1800" dirty="0">
-                <a:solidFill>
-                  <a:schemeClr val="bg1"/>
-                </a:solidFill>
-                <a:highlight>
-                  <a:srgbClr val="000000"/>
-                </a:highlight>
-                <a:latin typeface="Courier New" panose="02070309020205020404" pitchFamily="49" charset="0"/>
-                <a:cs typeface="Courier New" panose="02070309020205020404" pitchFamily="49" charset="0"/>
-              </a:rPr>
-              <a:t>input</a:t>
-            </a:r>
-            <a:r>
-              <a:rPr lang="en-GB" sz="1800" dirty="0">
-                <a:cs typeface="Courier New" panose="02070309020205020404" pitchFamily="49" charset="0"/>
-              </a:rPr>
-              <a:t> for </a:t>
-            </a:r>
-            <a:r>
-              <a:rPr lang="en-GB" sz="1800" dirty="0" err="1">
-                <a:cs typeface="Courier New" panose="02070309020205020404" pitchFamily="49" charset="0"/>
-              </a:rPr>
-              <a:t>penultimate_rule</a:t>
-            </a:r>
-            <a:r>
-              <a:rPr lang="en-GB" sz="1800" dirty="0">
-                <a:cs typeface="Courier New" panose="02070309020205020404" pitchFamily="49" charset="0"/>
-              </a:rPr>
-              <a:t>? </a:t>
-            </a:r>
-          </a:p>
-          <a:p>
-            <a:pPr marL="800100" lvl="1" indent="-342900">
-              <a:buFont typeface="Arial" panose="020B0604020202020204" pitchFamily="34" charset="0"/>
-              <a:buChar char="•"/>
-            </a:pPr>
-            <a:r>
-              <a:rPr lang="en-GB" sz="1800" dirty="0">
-                <a:cs typeface="Courier New" panose="02070309020205020404" pitchFamily="49" charset="0"/>
-              </a:rPr>
-              <a:t>and so on… until you write the rule that takes your existing input files (e.g. your raw </a:t>
-            </a:r>
-            <a:r>
-              <a:rPr lang="en-GB" sz="1800" dirty="0" err="1">
-                <a:cs typeface="Courier New" panose="02070309020205020404" pitchFamily="49" charset="0"/>
-              </a:rPr>
-              <a:t>fastq</a:t>
-            </a:r>
-            <a:r>
-              <a:rPr lang="en-GB" sz="1800" dirty="0">
-                <a:cs typeface="Courier New" panose="02070309020205020404" pitchFamily="49" charset="0"/>
-              </a:rPr>
-              <a:t> files) as </a:t>
-            </a:r>
-            <a:r>
-              <a:rPr lang="en-GB" sz="1800" dirty="0">
-                <a:solidFill>
-                  <a:schemeClr val="bg1"/>
-                </a:solidFill>
-                <a:highlight>
-                  <a:srgbClr val="000000"/>
-                </a:highlight>
-                <a:latin typeface="Courier New" panose="02070309020205020404" pitchFamily="49" charset="0"/>
-                <a:cs typeface="Courier New" panose="02070309020205020404" pitchFamily="49" charset="0"/>
-              </a:rPr>
-              <a:t>input</a:t>
-            </a:r>
-          </a:p>
-        </p:txBody>
-      </p:sp>
-    </p:spTree>
-    <p:extLst>
-      <p:ext uri="{BB962C8B-B14F-4D97-AF65-F5344CB8AC3E}">
-        <p14:creationId xmlns:p14="http://schemas.microsoft.com/office/powerpoint/2010/main" val="2047320816"/>
-      </p:ext>
-    </p:extLst>
-  </p:cSld>
-  <p:clrMapOvr>
-    <a:masterClrMapping/>
-  </p:clrMapOvr>
-</p:sld>
-</file>
-
-<file path=ppt/slides/slide11.xml><?xml version="1.0" encoding="utf-8"?>
-<p:sld xmlns:a="http://schemas.openxmlformats.org/drawingml/2006/main" xmlns:r="http://schemas.openxmlformats.org/officeDocument/2006/relationships" xmlns:p="http://schemas.openxmlformats.org/presentationml/2006/main">
-  <p:cSld>
-    <p:spTree>
-      <p:nvGrpSpPr>
-        <p:cNvPr id="1" name=""/>
-        <p:cNvGrpSpPr/>
-        <p:nvPr/>
-      </p:nvGrpSpPr>
-      <p:grpSpPr>
-        <a:xfrm>
-          <a:off x="0" y="0"/>
-          <a:ext cx="0" cy="0"/>
-          <a:chOff x="0" y="0"/>
-          <a:chExt cx="0" cy="0"/>
-        </a:xfrm>
-      </p:grpSpPr>
-      <p:sp>
-        <p:nvSpPr>
-          <p:cNvPr id="2" name="Title 1">
-            <a:extLst>
-              <a:ext uri="{FF2B5EF4-FFF2-40B4-BE49-F238E27FC236}">
-                <a16:creationId xmlns:a16="http://schemas.microsoft.com/office/drawing/2014/main" id="{DCF7A54E-BA05-45F6-9C68-2384291899D7}"/>
-              </a:ext>
-            </a:extLst>
-          </p:cNvPr>
-          <p:cNvSpPr>
-            <a:spLocks noGrp="1"/>
-          </p:cNvSpPr>
-          <p:nvPr>
-            <p:ph type="title"/>
-          </p:nvPr>
-        </p:nvSpPr>
-        <p:spPr>
-          <a:xfrm>
             <a:off x="838200" y="1135"/>
             <a:ext cx="10515600" cy="1325563"/>
           </a:xfrm>
@@ -4200,7 +3866,7 @@
 </p:sld>
 </file>
 
-<file path=ppt/slides/slide12.xml><?xml version="1.0" encoding="utf-8"?>
+<file path=ppt/slides/slide11.xml><?xml version="1.0" encoding="utf-8"?>
 <p:sld xmlns:a="http://schemas.openxmlformats.org/drawingml/2006/main" xmlns:r="http://schemas.openxmlformats.org/officeDocument/2006/relationships" xmlns:p="http://schemas.openxmlformats.org/presentationml/2006/main">
   <p:cSld>
     <p:spTree>
@@ -4999,7 +4665,7 @@
 </p:sld>
 </file>
 
-<file path=ppt/slides/slide13.xml><?xml version="1.0" encoding="utf-8"?>
+<file path=ppt/slides/slide12.xml><?xml version="1.0" encoding="utf-8"?>
 <p:sld xmlns:a="http://schemas.openxmlformats.org/drawingml/2006/main" xmlns:r="http://schemas.openxmlformats.org/officeDocument/2006/relationships" xmlns:p="http://schemas.openxmlformats.org/presentationml/2006/main">
   <p:cSld>
     <p:spTree>
@@ -5266,7 +4932,19 @@
               <a:rPr lang="en-GB" sz="1600" dirty="0">
                 <a:cs typeface="Courier New" panose="02070309020205020404" pitchFamily="49" charset="0"/>
               </a:rPr>
-              <a:t>slots for each rule allocated using the cluster json script, with a definition for each rule</a:t>
+              <a:t>slots for each rule allocated using the cluster </a:t>
+            </a:r>
+            <a:r>
+              <a:rPr lang="en-GB" sz="1600" dirty="0" err="1">
+                <a:cs typeface="Courier New" panose="02070309020205020404" pitchFamily="49" charset="0"/>
+              </a:rPr>
+              <a:t>json</a:t>
+            </a:r>
+            <a:r>
+              <a:rPr lang="en-GB" sz="1600" dirty="0">
+                <a:cs typeface="Courier New" panose="02070309020205020404" pitchFamily="49" charset="0"/>
+              </a:rPr>
+              <a:t> configuration file, with optional rule-specific parameters</a:t>
             </a:r>
           </a:p>
           <a:p>
@@ -5696,6 +5374,36 @@
           <a:xfrm>
             <a:off x="4221017" y="1542471"/>
             <a:ext cx="7645396" cy="2182091"/>
+          </a:xfrm>
+          <a:prstGeom prst="rect">
+            <a:avLst/>
+          </a:prstGeom>
+        </p:spPr>
+      </p:pic>
+      <p:pic>
+        <p:nvPicPr>
+          <p:cNvPr id="4" name="Picture 3">
+            <a:extLst>
+              <a:ext uri="{FF2B5EF4-FFF2-40B4-BE49-F238E27FC236}">
+                <a16:creationId xmlns:a16="http://schemas.microsoft.com/office/drawing/2014/main" id="{A1DB61D0-74F5-5CE7-1D92-401DBAC324B5}"/>
+              </a:ext>
+            </a:extLst>
+          </p:cNvPr>
+          <p:cNvPicPr>
+            <a:picLocks noChangeAspect="1"/>
+          </p:cNvPicPr>
+          <p:nvPr/>
+        </p:nvPicPr>
+        <p:blipFill>
+          <a:blip r:embed="rId3"/>
+          <a:stretch>
+            <a:fillRect/>
+          </a:stretch>
+        </p:blipFill>
+        <p:spPr>
+          <a:xfrm>
+            <a:off x="4221017" y="3940335"/>
+            <a:ext cx="6509938" cy="2700629"/>
           </a:xfrm>
           <a:prstGeom prst="rect">
             <a:avLst/>
@@ -5882,12 +5590,6 @@
           <a:p>
             <a:r>
               <a:rPr lang="en-GB" dirty="0"/>
-              <a:t>Running on a cluster </a:t>
-            </a:r>
-          </a:p>
-          <a:p>
-            <a:r>
-              <a:rPr lang="en-GB" dirty="0"/>
               <a:t>Constructing a workflow with many rules</a:t>
             </a:r>
           </a:p>
@@ -5921,6 +5623,15 @@
               <a:rPr lang="en-GB" dirty="0"/>
               <a:t>Configuration file</a:t>
             </a:r>
+          </a:p>
+          <a:p>
+            <a:r>
+              <a:rPr lang="en-GB" dirty="0"/>
+              <a:t>Running on a cluster </a:t>
+            </a:r>
+          </a:p>
+          <a:p>
+            <a:endParaRPr lang="en-GB" dirty="0"/>
           </a:p>
         </p:txBody>
       </p:sp>
@@ -6545,7 +6256,7 @@
                 <a:latin typeface="Courier New" panose="02070309020205020404" pitchFamily="49" charset="0"/>
                 <a:cs typeface="Courier New" panose="02070309020205020404" pitchFamily="49" charset="0"/>
               </a:rPr>
-              <a:t>$ snakemake --dry-run # -n</a:t>
+              <a:t>$ snakemake --dry-run</a:t>
             </a:r>
           </a:p>
           <a:p>
@@ -6572,7 +6283,7 @@
                 <a:latin typeface="Courier New" panose="02070309020205020404" pitchFamily="49" charset="0"/>
                 <a:cs typeface="Courier New" panose="02070309020205020404" pitchFamily="49" charset="0"/>
               </a:rPr>
-              <a:t>$ snakemake --cores 1 # -j</a:t>
+              <a:t>$ snakemake --cores 1</a:t>
             </a:r>
           </a:p>
           <a:p>
@@ -6713,7 +6424,7 @@
         </p:nvSpPr>
         <p:spPr>
           <a:xfrm>
-            <a:off x="838200" y="1140"/>
+            <a:off x="838200" y="1135"/>
             <a:ext cx="10515600" cy="1325563"/>
           </a:xfrm>
         </p:spPr>
@@ -6723,7 +6434,7 @@
           <a:p>
             <a:r>
               <a:rPr lang="en-GB" b="1" dirty="0"/>
-              <a:t>Running on the cluster: with --cluster-config</a:t>
+              <a:t>Multiple rules</a:t>
             </a:r>
           </a:p>
         </p:txBody>
@@ -6746,1190 +6457,215 @@
         </p:nvSpPr>
         <p:spPr>
           <a:xfrm>
-            <a:off x="838200" y="2618912"/>
-            <a:ext cx="10799618" cy="1735583"/>
+            <a:off x="838200" y="1129681"/>
+            <a:ext cx="10799618" cy="5288873"/>
           </a:xfrm>
         </p:spPr>
         <p:txBody>
           <a:bodyPr>
-            <a:normAutofit fontScale="55000" lnSpcReduction="20000"/>
+            <a:normAutofit/>
           </a:bodyPr>
           <a:lstStyle/>
           <a:p>
-            <a:pPr marL="0" indent="0">
-              <a:buFont typeface="Arial" panose="020B0604020202020204" pitchFamily="34" charset="0"/>
-              <a:buNone/>
-            </a:pPr>
-            <a:r>
-              <a:rPr lang="en-GB" dirty="0">
+            <a:r>
+              <a:rPr lang="en-GB" sz="2400" dirty="0">
+                <a:cs typeface="Courier New" panose="02070309020205020404" pitchFamily="49" charset="0"/>
+              </a:rPr>
+              <a:t>By default, snakemake runs the first rule in a Snakefile, if a target rule is not specified at the command-line</a:t>
+            </a:r>
+          </a:p>
+          <a:p>
+            <a:endParaRPr lang="en-GB" sz="2400" dirty="0">
+              <a:cs typeface="Courier New" panose="02070309020205020404" pitchFamily="49" charset="0"/>
+            </a:endParaRPr>
+          </a:p>
+          <a:p>
+            <a:r>
+              <a:rPr lang="en-GB" sz="2400" dirty="0">
+                <a:cs typeface="Courier New" panose="02070309020205020404" pitchFamily="49" charset="0"/>
+              </a:rPr>
+              <a:t>By default, snakemake does not re-run rules whose output already exists. To re-run:</a:t>
+            </a:r>
+          </a:p>
+          <a:p>
+            <a:pPr lvl="1"/>
+            <a:r>
+              <a:rPr lang="en-GB" sz="1800" dirty="0">
+                <a:cs typeface="Courier New" panose="02070309020205020404" pitchFamily="49" charset="0"/>
+              </a:rPr>
+              <a:t>Update input files, e.g. </a:t>
+            </a:r>
+            <a:r>
+              <a:rPr lang="en-GB" sz="1800" dirty="0">
                 <a:highlight>
                   <a:srgbClr val="C0C0C0"/>
                 </a:highlight>
                 <a:latin typeface="Courier New" panose="02070309020205020404" pitchFamily="49" charset="0"/>
                 <a:cs typeface="Courier New" panose="02070309020205020404" pitchFamily="49" charset="0"/>
               </a:rPr>
-              <a:t>$ snakemake --max-status-checks-per-second 0.01 \</a:t>
-            </a:r>
-          </a:p>
-          <a:p>
-            <a:pPr marL="0" indent="0">
-              <a:buFont typeface="Arial" panose="020B0604020202020204" pitchFamily="34" charset="0"/>
-              <a:buNone/>
-            </a:pPr>
-            <a:r>
-              <a:rPr lang="en-GB" dirty="0">
+              <a:t>$ touch </a:t>
+            </a:r>
+            <a:r>
+              <a:rPr lang="en-GB" sz="1800" dirty="0" err="1">
                 <a:highlight>
                   <a:srgbClr val="C0C0C0"/>
                 </a:highlight>
                 <a:latin typeface="Courier New" panose="02070309020205020404" pitchFamily="49" charset="0"/>
                 <a:cs typeface="Courier New" panose="02070309020205020404" pitchFamily="49" charset="0"/>
               </a:rPr>
-              <a:t>	 --cluster-config </a:t>
-            </a:r>
-            <a:r>
-              <a:rPr lang="en-GB" dirty="0" err="1">
+              <a:t>input_files</a:t>
+            </a:r>
+            <a:r>
+              <a:rPr lang="en-GB" sz="1800" dirty="0">
                 <a:highlight>
                   <a:srgbClr val="C0C0C0"/>
                 </a:highlight>
                 <a:latin typeface="Courier New" panose="02070309020205020404" pitchFamily="49" charset="0"/>
                 <a:cs typeface="Courier New" panose="02070309020205020404" pitchFamily="49" charset="0"/>
               </a:rPr>
-              <a:t>cluster.json</a:t>
-            </a:r>
-            <a:r>
-              <a:rPr lang="en-GB" dirty="0">
+              <a:t>/*.* </a:t>
+            </a:r>
+            <a:endParaRPr lang="en-GB" sz="1800" dirty="0">
+              <a:cs typeface="Courier New" panose="02070309020205020404" pitchFamily="49" charset="0"/>
+            </a:endParaRPr>
+          </a:p>
+          <a:p>
+            <a:pPr lvl="1"/>
+            <a:r>
+              <a:rPr lang="en-GB" sz="1800" dirty="0">
+                <a:cs typeface="Courier New" panose="02070309020205020404" pitchFamily="49" charset="0"/>
+              </a:rPr>
+              <a:t>Use </a:t>
+            </a:r>
+            <a:r>
+              <a:rPr lang="en-GB" sz="1800" dirty="0">
                 <a:highlight>
                   <a:srgbClr val="C0C0C0"/>
                 </a:highlight>
                 <a:latin typeface="Courier New" panose="02070309020205020404" pitchFamily="49" charset="0"/>
                 <a:cs typeface="Courier New" panose="02070309020205020404" pitchFamily="49" charset="0"/>
               </a:rPr>
-              <a:t> \</a:t>
-            </a:r>
-          </a:p>
-          <a:p>
-            <a:pPr marL="0" indent="0">
-              <a:buFont typeface="Arial" panose="020B0604020202020204" pitchFamily="34" charset="0"/>
-              <a:buNone/>
-            </a:pPr>
-            <a:r>
-              <a:rPr lang="en-GB" dirty="0">
+              <a:t>--force</a:t>
+            </a:r>
+            <a:r>
+              <a:rPr lang="en-GB" sz="1800" dirty="0">
                 <a:highlight>
                   <a:srgbClr val="C0C0C0"/>
                 </a:highlight>
-                <a:latin typeface="Courier New" panose="02070309020205020404" pitchFamily="49" charset="0"/>
-                <a:cs typeface="Courier New" panose="02070309020205020404" pitchFamily="49" charset="0"/>
-              </a:rPr>
-              <a:t>	 --cluster “</a:t>
-            </a:r>
-            <a:r>
-              <a:rPr lang="en-GB" dirty="0" err="1">
+                <a:cs typeface="Courier New" panose="02070309020205020404" pitchFamily="49" charset="0"/>
+              </a:rPr>
+              <a:t> </a:t>
+            </a:r>
+            <a:r>
+              <a:rPr lang="en-GB" sz="1800" dirty="0">
+                <a:cs typeface="Courier New" panose="02070309020205020404" pitchFamily="49" charset="0"/>
+              </a:rPr>
+              <a:t>argument (See below)</a:t>
+            </a:r>
+          </a:p>
+          <a:p>
+            <a:pPr lvl="1"/>
+            <a:r>
+              <a:rPr lang="en-GB" sz="1800" dirty="0">
+                <a:cs typeface="Courier New" panose="02070309020205020404" pitchFamily="49" charset="0"/>
+              </a:rPr>
+              <a:t>Use </a:t>
+            </a:r>
+            <a:r>
+              <a:rPr lang="en-GB" sz="1800" dirty="0">
                 <a:highlight>
                   <a:srgbClr val="C0C0C0"/>
                 </a:highlight>
                 <a:latin typeface="Courier New" panose="02070309020205020404" pitchFamily="49" charset="0"/>
                 <a:cs typeface="Courier New" panose="02070309020205020404" pitchFamily="49" charset="0"/>
               </a:rPr>
-              <a:t>qsub</a:t>
-            </a:r>
-            <a:r>
-              <a:rPr lang="en-GB" dirty="0">
+              <a:t>--delete-all-output</a:t>
+            </a:r>
+            <a:r>
+              <a:rPr lang="en-GB" sz="1800" dirty="0">
+                <a:cs typeface="Courier New" panose="02070309020205020404" pitchFamily="49" charset="0"/>
+              </a:rPr>
+              <a:t> argument (beware!)</a:t>
+            </a:r>
+          </a:p>
+          <a:p>
+            <a:pPr lvl="1"/>
+            <a:endParaRPr lang="en-GB" sz="1800" dirty="0">
+              <a:cs typeface="Courier New" panose="02070309020205020404" pitchFamily="49" charset="0"/>
+            </a:endParaRPr>
+          </a:p>
+          <a:p>
+            <a:pPr lvl="1"/>
+            <a:endParaRPr lang="en-GB" sz="1800" dirty="0">
+              <a:cs typeface="Courier New" panose="02070309020205020404" pitchFamily="49" charset="0"/>
+            </a:endParaRPr>
+          </a:p>
+          <a:p>
+            <a:r>
+              <a:rPr lang="en-GB" sz="2400" dirty="0">
+                <a:cs typeface="Courier New" panose="02070309020205020404" pitchFamily="49" charset="0"/>
+              </a:rPr>
+              <a:t>A specific rule can be specified at the command-line</a:t>
+            </a:r>
+          </a:p>
+          <a:p>
+            <a:pPr lvl="1"/>
+            <a:r>
+              <a:rPr lang="en-GB" sz="1800" dirty="0">
                 <a:highlight>
                   <a:srgbClr val="C0C0C0"/>
                 </a:highlight>
                 <a:latin typeface="Courier New" panose="02070309020205020404" pitchFamily="49" charset="0"/>
                 <a:cs typeface="Courier New" panose="02070309020205020404" pitchFamily="49" charset="0"/>
               </a:rPr>
-              <a:t> –N {</a:t>
-            </a:r>
-            <a:r>
-              <a:rPr lang="en-GB" dirty="0" err="1">
+              <a:t>$ snakemake -j 1 --snakefile </a:t>
+            </a:r>
+            <a:r>
+              <a:rPr lang="en-GB" sz="1800" dirty="0" err="1">
                 <a:highlight>
                   <a:srgbClr val="C0C0C0"/>
                 </a:highlight>
                 <a:latin typeface="Courier New" panose="02070309020205020404" pitchFamily="49" charset="0"/>
                 <a:cs typeface="Courier New" panose="02070309020205020404" pitchFamily="49" charset="0"/>
               </a:rPr>
-              <a:t>cluster.</a:t>
-            </a:r>
-            <a:r>
-              <a:rPr lang="en-GB" dirty="0" err="1">
-                <a:highlight>
-                  <a:srgbClr val="00FF00"/>
-                </a:highlight>
-                <a:latin typeface="Courier New" panose="02070309020205020404" pitchFamily="49" charset="0"/>
-                <a:cs typeface="Courier New" panose="02070309020205020404" pitchFamily="49" charset="0"/>
-              </a:rPr>
-              <a:t>job</a:t>
-            </a:r>
-            <a:r>
-              <a:rPr lang="en-GB" dirty="0">
-                <a:highlight>
-                  <a:srgbClr val="00FF00"/>
-                </a:highlight>
-                <a:latin typeface="Courier New" panose="02070309020205020404" pitchFamily="49" charset="0"/>
-                <a:cs typeface="Courier New" panose="02070309020205020404" pitchFamily="49" charset="0"/>
-              </a:rPr>
-              <a:t>-name</a:t>
-            </a:r>
-            <a:r>
-              <a:rPr lang="en-GB" dirty="0">
+              <a:t>Snakefile</a:t>
+            </a:r>
+            <a:r>
+              <a:rPr lang="en-GB" sz="1800" dirty="0">
                 <a:highlight>
                   <a:srgbClr val="C0C0C0"/>
                 </a:highlight>
                 <a:latin typeface="Courier New" panose="02070309020205020404" pitchFamily="49" charset="0"/>
                 <a:cs typeface="Courier New" panose="02070309020205020404" pitchFamily="49" charset="0"/>
               </a:rPr>
-              <a:t>} –o {</a:t>
-            </a:r>
-            <a:r>
-              <a:rPr lang="en-GB" dirty="0" err="1">
+              <a:t> </a:t>
+            </a:r>
+            <a:r>
+              <a:rPr lang="en-GB" sz="1800" dirty="0" err="1">
                 <a:highlight>
                   <a:srgbClr val="C0C0C0"/>
                 </a:highlight>
                 <a:latin typeface="Courier New" panose="02070309020205020404" pitchFamily="49" charset="0"/>
                 <a:cs typeface="Courier New" panose="02070309020205020404" pitchFamily="49" charset="0"/>
               </a:rPr>
-              <a:t>cluster.</a:t>
-            </a:r>
-            <a:r>
-              <a:rPr lang="en-GB" dirty="0" err="1">
-                <a:highlight>
-                  <a:srgbClr val="00FFFF"/>
-                </a:highlight>
-                <a:latin typeface="Courier New" panose="02070309020205020404" pitchFamily="49" charset="0"/>
-                <a:cs typeface="Courier New" panose="02070309020205020404" pitchFamily="49" charset="0"/>
-              </a:rPr>
-              <a:t>output</a:t>
-            </a:r>
-            <a:r>
-              <a:rPr lang="en-GB" dirty="0">
-                <a:highlight>
-                  <a:srgbClr val="C0C0C0"/>
-                </a:highlight>
-                <a:latin typeface="Courier New" panose="02070309020205020404" pitchFamily="49" charset="0"/>
-                <a:cs typeface="Courier New" panose="02070309020205020404" pitchFamily="49" charset="0"/>
-              </a:rPr>
-              <a:t>} –q {</a:t>
-            </a:r>
-            <a:r>
-              <a:rPr lang="en-GB" dirty="0" err="1">
-                <a:highlight>
-                  <a:srgbClr val="C0C0C0"/>
-                </a:highlight>
-                <a:latin typeface="Courier New" panose="02070309020205020404" pitchFamily="49" charset="0"/>
-                <a:cs typeface="Courier New" panose="02070309020205020404" pitchFamily="49" charset="0"/>
-              </a:rPr>
-              <a:t>cluster.</a:t>
-            </a:r>
-            <a:r>
-              <a:rPr lang="en-GB" dirty="0" err="1">
-                <a:highlight>
-                  <a:srgbClr val="FF00FF"/>
-                </a:highlight>
-                <a:latin typeface="Courier New" panose="02070309020205020404" pitchFamily="49" charset="0"/>
-                <a:cs typeface="Courier New" panose="02070309020205020404" pitchFamily="49" charset="0"/>
-              </a:rPr>
-              <a:t>time</a:t>
-            </a:r>
-            <a:r>
-              <a:rPr lang="en-GB" dirty="0">
-                <a:highlight>
-                  <a:srgbClr val="C0C0C0"/>
-                </a:highlight>
-                <a:latin typeface="Courier New" panose="02070309020205020404" pitchFamily="49" charset="0"/>
-                <a:cs typeface="Courier New" panose="02070309020205020404" pitchFamily="49" charset="0"/>
-              </a:rPr>
-              <a:t>} –P {</a:t>
-            </a:r>
-            <a:r>
-              <a:rPr lang="en-GB" dirty="0" err="1">
-                <a:highlight>
-                  <a:srgbClr val="C0C0C0"/>
-                </a:highlight>
-                <a:latin typeface="Courier New" panose="02070309020205020404" pitchFamily="49" charset="0"/>
-                <a:cs typeface="Courier New" panose="02070309020205020404" pitchFamily="49" charset="0"/>
-              </a:rPr>
-              <a:t>cluster.</a:t>
-            </a:r>
-            <a:r>
-              <a:rPr lang="en-GB" dirty="0" err="1">
-                <a:highlight>
-                  <a:srgbClr val="FF0000"/>
-                </a:highlight>
-                <a:latin typeface="Courier New" panose="02070309020205020404" pitchFamily="49" charset="0"/>
-                <a:cs typeface="Courier New" panose="02070309020205020404" pitchFamily="49" charset="0"/>
-              </a:rPr>
-              <a:t>project</a:t>
-            </a:r>
-            <a:r>
-              <a:rPr lang="en-GB" dirty="0">
-                <a:highlight>
-                  <a:srgbClr val="C0C0C0"/>
-                </a:highlight>
-                <a:latin typeface="Courier New" panose="02070309020205020404" pitchFamily="49" charset="0"/>
-                <a:cs typeface="Courier New" panose="02070309020205020404" pitchFamily="49" charset="0"/>
-              </a:rPr>
-              <a:t>} –pe </a:t>
-            </a:r>
-            <a:r>
-              <a:rPr lang="en-GB" dirty="0" err="1">
-                <a:highlight>
-                  <a:srgbClr val="C0C0C0"/>
-                </a:highlight>
-                <a:latin typeface="Courier New" panose="02070309020205020404" pitchFamily="49" charset="0"/>
-                <a:cs typeface="Courier New" panose="02070309020205020404" pitchFamily="49" charset="0"/>
-              </a:rPr>
-              <a:t>shmem</a:t>
-            </a:r>
-            <a:r>
-              <a:rPr lang="en-GB" dirty="0">
-                <a:highlight>
-                  <a:srgbClr val="C0C0C0"/>
-                </a:highlight>
-                <a:latin typeface="Courier New" panose="02070309020205020404" pitchFamily="49" charset="0"/>
-                <a:cs typeface="Courier New" panose="02070309020205020404" pitchFamily="49" charset="0"/>
-              </a:rPr>
-              <a:t> {</a:t>
-            </a:r>
-            <a:r>
-              <a:rPr lang="en-GB" dirty="0" err="1">
-                <a:highlight>
-                  <a:srgbClr val="C0C0C0"/>
-                </a:highlight>
-                <a:latin typeface="Courier New" panose="02070309020205020404" pitchFamily="49" charset="0"/>
-                <a:cs typeface="Courier New" panose="02070309020205020404" pitchFamily="49" charset="0"/>
-              </a:rPr>
-              <a:t>cluster.</a:t>
-            </a:r>
-            <a:r>
-              <a:rPr lang="en-GB" dirty="0" err="1">
-                <a:highlight>
-                  <a:srgbClr val="FFFF00"/>
-                </a:highlight>
-                <a:latin typeface="Courier New" panose="02070309020205020404" pitchFamily="49" charset="0"/>
-                <a:cs typeface="Courier New" panose="02070309020205020404" pitchFamily="49" charset="0"/>
-              </a:rPr>
-              <a:t>slots</a:t>
-            </a:r>
-            <a:r>
-              <a:rPr lang="en-GB" dirty="0">
-                <a:highlight>
-                  <a:srgbClr val="C0C0C0"/>
-                </a:highlight>
-                <a:latin typeface="Courier New" panose="02070309020205020404" pitchFamily="49" charset="0"/>
-                <a:cs typeface="Courier New" panose="02070309020205020404" pitchFamily="49" charset="0"/>
-              </a:rPr>
-              <a:t>} –j y”</a:t>
-            </a:r>
-            <a:r>
-              <a:rPr lang="en-GB" dirty="0">
-                <a:latin typeface="Courier New" panose="02070309020205020404" pitchFamily="49" charset="0"/>
-                <a:cs typeface="Courier New" panose="02070309020205020404" pitchFamily="49" charset="0"/>
-              </a:rPr>
-              <a:t>	</a:t>
-            </a:r>
-          </a:p>
-          <a:p>
-            <a:pPr marL="0" indent="0">
-              <a:buFont typeface="Arial" panose="020B0604020202020204" pitchFamily="34" charset="0"/>
-              <a:buNone/>
-            </a:pPr>
-            <a:endParaRPr lang="en-GB" dirty="0">
-              <a:latin typeface="Courier New" panose="02070309020205020404" pitchFamily="49" charset="0"/>
+              <a:t>third_rule</a:t>
+            </a:r>
+            <a:endParaRPr lang="en-GB" sz="1800" dirty="0">
               <a:cs typeface="Courier New" panose="02070309020205020404" pitchFamily="49" charset="0"/>
             </a:endParaRPr>
-          </a:p>
-          <a:p>
-            <a:pPr marL="0" indent="0">
-              <a:buFont typeface="Arial" panose="020B0604020202020204" pitchFamily="34" charset="0"/>
-              <a:buNone/>
-            </a:pPr>
-            <a:r>
-              <a:rPr lang="en-GB" dirty="0">
-                <a:highlight>
-                  <a:srgbClr val="C0C0C0"/>
-                </a:highlight>
-                <a:latin typeface="Courier New" panose="02070309020205020404" pitchFamily="49" charset="0"/>
-                <a:cs typeface="Courier New" panose="02070309020205020404" pitchFamily="49" charset="0"/>
-              </a:rPr>
-              <a:t>$ cat </a:t>
-            </a:r>
-            <a:r>
-              <a:rPr lang="en-GB" dirty="0" err="1">
-                <a:highlight>
-                  <a:srgbClr val="C0C0C0"/>
-                </a:highlight>
-                <a:latin typeface="Courier New" panose="02070309020205020404" pitchFamily="49" charset="0"/>
-                <a:cs typeface="Courier New" panose="02070309020205020404" pitchFamily="49" charset="0"/>
-              </a:rPr>
-              <a:t>cluster.json</a:t>
-            </a:r>
-            <a:endParaRPr lang="en-GB" dirty="0">
-              <a:highlight>
-                <a:srgbClr val="C0C0C0"/>
-              </a:highlight>
-              <a:latin typeface="Courier New" panose="02070309020205020404" pitchFamily="49" charset="0"/>
-              <a:cs typeface="Courier New" panose="02070309020205020404" pitchFamily="49" charset="0"/>
-            </a:endParaRPr>
-          </a:p>
-        </p:txBody>
-      </p:sp>
-      <p:sp>
-        <p:nvSpPr>
-          <p:cNvPr id="4" name="Content Placeholder 2">
-            <a:extLst>
-              <a:ext uri="{FF2B5EF4-FFF2-40B4-BE49-F238E27FC236}">
-                <a16:creationId xmlns:a16="http://schemas.microsoft.com/office/drawing/2014/main" id="{9338E7A7-E894-4A6E-8D4A-2A3E89B8DD15}"/>
-              </a:ext>
-            </a:extLst>
-          </p:cNvPr>
-          <p:cNvSpPr txBox="1">
-            <a:spLocks/>
-          </p:cNvSpPr>
-          <p:nvPr/>
-        </p:nvSpPr>
-        <p:spPr>
-          <a:xfrm>
-            <a:off x="838200" y="949911"/>
-            <a:ext cx="10799618" cy="1553594"/>
-          </a:xfrm>
-          <a:prstGeom prst="rect">
-            <a:avLst/>
-          </a:prstGeom>
-          <a:ln>
-            <a:solidFill>
-              <a:schemeClr val="tx1"/>
-            </a:solidFill>
-          </a:ln>
-        </p:spPr>
-        <p:txBody>
-          <a:bodyPr vert="horz" lIns="91440" tIns="45720" rIns="91440" bIns="45720" rtlCol="0">
-            <a:normAutofit/>
-          </a:bodyPr>
-          <a:lstStyle>
-            <a:lvl1pPr marL="228600" indent="-228600" algn="l" defTabSz="914400" rtl="0" eaLnBrk="1" latinLnBrk="0" hangingPunct="1">
-              <a:lnSpc>
-                <a:spcPct val="90000"/>
-              </a:lnSpc>
-              <a:spcBef>
-                <a:spcPts val="1000"/>
-              </a:spcBef>
-              <a:buFont typeface="Arial" panose="020B0604020202020204" pitchFamily="34" charset="0"/>
-              <a:buChar char="•"/>
-              <a:defRPr sz="2800" kern="1200">
-                <a:solidFill>
-                  <a:schemeClr val="tx1"/>
-                </a:solidFill>
-                <a:latin typeface="+mn-lt"/>
-                <a:ea typeface="+mn-ea"/>
-                <a:cs typeface="+mn-cs"/>
-              </a:defRPr>
-            </a:lvl1pPr>
-            <a:lvl2pPr marL="685800" indent="-228600" algn="l" defTabSz="914400" rtl="0" eaLnBrk="1" latinLnBrk="0" hangingPunct="1">
-              <a:lnSpc>
-                <a:spcPct val="90000"/>
-              </a:lnSpc>
-              <a:spcBef>
-                <a:spcPts val="500"/>
-              </a:spcBef>
-              <a:buFont typeface="Arial" panose="020B0604020202020204" pitchFamily="34" charset="0"/>
-              <a:buChar char="•"/>
-              <a:defRPr sz="2400" kern="1200">
-                <a:solidFill>
-                  <a:schemeClr val="tx1"/>
-                </a:solidFill>
-                <a:latin typeface="+mn-lt"/>
-                <a:ea typeface="+mn-ea"/>
-                <a:cs typeface="+mn-cs"/>
-              </a:defRPr>
-            </a:lvl2pPr>
-            <a:lvl3pPr marL="1143000" indent="-228600" algn="l" defTabSz="914400" rtl="0" eaLnBrk="1" latinLnBrk="0" hangingPunct="1">
-              <a:lnSpc>
-                <a:spcPct val="90000"/>
-              </a:lnSpc>
-              <a:spcBef>
-                <a:spcPts val="500"/>
-              </a:spcBef>
-              <a:buFont typeface="Arial" panose="020B0604020202020204" pitchFamily="34" charset="0"/>
-              <a:buChar char="•"/>
-              <a:defRPr sz="2000" kern="1200">
-                <a:solidFill>
-                  <a:schemeClr val="tx1"/>
-                </a:solidFill>
-                <a:latin typeface="+mn-lt"/>
-                <a:ea typeface="+mn-ea"/>
-                <a:cs typeface="+mn-cs"/>
-              </a:defRPr>
-            </a:lvl3pPr>
-            <a:lvl4pPr marL="1600200" indent="-228600" algn="l" defTabSz="914400" rtl="0" eaLnBrk="1" latinLnBrk="0" hangingPunct="1">
-              <a:lnSpc>
-                <a:spcPct val="90000"/>
-              </a:lnSpc>
-              <a:spcBef>
-                <a:spcPts val="500"/>
-              </a:spcBef>
-              <a:buFont typeface="Arial" panose="020B0604020202020204" pitchFamily="34" charset="0"/>
-              <a:buChar char="•"/>
-              <a:defRPr sz="1800" kern="1200">
-                <a:solidFill>
-                  <a:schemeClr val="tx1"/>
-                </a:solidFill>
-                <a:latin typeface="+mn-lt"/>
-                <a:ea typeface="+mn-ea"/>
-                <a:cs typeface="+mn-cs"/>
-              </a:defRPr>
-            </a:lvl4pPr>
-            <a:lvl5pPr marL="2057400" indent="-228600" algn="l" defTabSz="914400" rtl="0" eaLnBrk="1" latinLnBrk="0" hangingPunct="1">
-              <a:lnSpc>
-                <a:spcPct val="90000"/>
-              </a:lnSpc>
-              <a:spcBef>
-                <a:spcPts val="500"/>
-              </a:spcBef>
-              <a:buFont typeface="Arial" panose="020B0604020202020204" pitchFamily="34" charset="0"/>
-              <a:buChar char="•"/>
-              <a:defRPr sz="1800" kern="1200">
-                <a:solidFill>
-                  <a:schemeClr val="tx1"/>
-                </a:solidFill>
-                <a:latin typeface="+mn-lt"/>
-                <a:ea typeface="+mn-ea"/>
-                <a:cs typeface="+mn-cs"/>
-              </a:defRPr>
-            </a:lvl5pPr>
-            <a:lvl6pPr marL="2514600" indent="-228600" algn="l" defTabSz="914400" rtl="0" eaLnBrk="1" latinLnBrk="0" hangingPunct="1">
-              <a:lnSpc>
-                <a:spcPct val="90000"/>
-              </a:lnSpc>
-              <a:spcBef>
-                <a:spcPts val="500"/>
-              </a:spcBef>
-              <a:buFont typeface="Arial" panose="020B0604020202020204" pitchFamily="34" charset="0"/>
-              <a:buChar char="•"/>
-              <a:defRPr sz="1800" kern="1200">
-                <a:solidFill>
-                  <a:schemeClr val="tx1"/>
-                </a:solidFill>
-                <a:latin typeface="+mn-lt"/>
-                <a:ea typeface="+mn-ea"/>
-                <a:cs typeface="+mn-cs"/>
-              </a:defRPr>
-            </a:lvl6pPr>
-            <a:lvl7pPr marL="2971800" indent="-228600" algn="l" defTabSz="914400" rtl="0" eaLnBrk="1" latinLnBrk="0" hangingPunct="1">
-              <a:lnSpc>
-                <a:spcPct val="90000"/>
-              </a:lnSpc>
-              <a:spcBef>
-                <a:spcPts val="500"/>
-              </a:spcBef>
-              <a:buFont typeface="Arial" panose="020B0604020202020204" pitchFamily="34" charset="0"/>
-              <a:buChar char="•"/>
-              <a:defRPr sz="1800" kern="1200">
-                <a:solidFill>
-                  <a:schemeClr val="tx1"/>
-                </a:solidFill>
-                <a:latin typeface="+mn-lt"/>
-                <a:ea typeface="+mn-ea"/>
-                <a:cs typeface="+mn-cs"/>
-              </a:defRPr>
-            </a:lvl7pPr>
-            <a:lvl8pPr marL="3429000" indent="-228600" algn="l" defTabSz="914400" rtl="0" eaLnBrk="1" latinLnBrk="0" hangingPunct="1">
-              <a:lnSpc>
-                <a:spcPct val="90000"/>
-              </a:lnSpc>
-              <a:spcBef>
-                <a:spcPts val="500"/>
-              </a:spcBef>
-              <a:buFont typeface="Arial" panose="020B0604020202020204" pitchFamily="34" charset="0"/>
-              <a:buChar char="•"/>
-              <a:defRPr sz="1800" kern="1200">
-                <a:solidFill>
-                  <a:schemeClr val="tx1"/>
-                </a:solidFill>
-                <a:latin typeface="+mn-lt"/>
-                <a:ea typeface="+mn-ea"/>
-                <a:cs typeface="+mn-cs"/>
-              </a:defRPr>
-            </a:lvl8pPr>
-            <a:lvl9pPr marL="3886200" indent="-228600" algn="l" defTabSz="914400" rtl="0" eaLnBrk="1" latinLnBrk="0" hangingPunct="1">
-              <a:lnSpc>
-                <a:spcPct val="90000"/>
-              </a:lnSpc>
-              <a:spcBef>
-                <a:spcPts val="500"/>
-              </a:spcBef>
-              <a:buFont typeface="Arial" panose="020B0604020202020204" pitchFamily="34" charset="0"/>
-              <a:buChar char="•"/>
-              <a:defRPr sz="1800" kern="1200">
-                <a:solidFill>
-                  <a:schemeClr val="tx1"/>
-                </a:solidFill>
-                <a:latin typeface="+mn-lt"/>
-                <a:ea typeface="+mn-ea"/>
-                <a:cs typeface="+mn-cs"/>
-              </a:defRPr>
-            </a:lvl9pPr>
-          </a:lstStyle>
-          <a:p>
-            <a:pPr marL="0" indent="0">
-              <a:buFont typeface="Arial" panose="020B0604020202020204" pitchFamily="34" charset="0"/>
-              <a:buNone/>
-            </a:pPr>
-            <a:r>
-              <a:rPr lang="en-GB" dirty="0">
-                <a:solidFill>
-                  <a:srgbClr val="FF0000"/>
-                </a:solidFill>
-                <a:highlight>
-                  <a:srgbClr val="FFFF00"/>
-                </a:highlight>
-                <a:cs typeface="Courier New" panose="02070309020205020404" pitchFamily="49" charset="0"/>
-              </a:rPr>
-              <a:t>Important: check the </a:t>
-            </a:r>
-            <a:r>
-              <a:rPr lang="en-GB" dirty="0">
-                <a:solidFill>
-                  <a:srgbClr val="FF0000"/>
-                </a:solidFill>
-                <a:highlight>
-                  <a:srgbClr val="FFFF00"/>
-                </a:highlight>
-                <a:cs typeface="Courier New" panose="02070309020205020404" pitchFamily="49" charset="0"/>
-                <a:hlinkClick r:id="rId2">
-                  <a:extLst>
-                    <a:ext uri="{A12FA001-AC4F-418D-AE19-62706E023703}">
-                      <ahyp:hlinkClr xmlns:ahyp="http://schemas.microsoft.com/office/drawing/2018/hyperlinkcolor" val="tx"/>
-                    </a:ext>
-                  </a:extLst>
-                </a:hlinkClick>
-              </a:rPr>
-              <a:t>BMRC warning (link) </a:t>
-            </a:r>
-            <a:r>
-              <a:rPr lang="en-GB" dirty="0">
-                <a:solidFill>
-                  <a:srgbClr val="FF0000"/>
-                </a:solidFill>
-                <a:highlight>
-                  <a:srgbClr val="FFFF00"/>
-                </a:highlight>
-                <a:cs typeface="Courier New" panose="02070309020205020404" pitchFamily="49" charset="0"/>
-              </a:rPr>
-              <a:t>before using it on </a:t>
-            </a:r>
-            <a:r>
-              <a:rPr lang="en-GB" dirty="0" err="1">
-                <a:solidFill>
-                  <a:srgbClr val="FF0000"/>
-                </a:solidFill>
-                <a:highlight>
-                  <a:srgbClr val="FFFF00"/>
-                </a:highlight>
-                <a:cs typeface="Courier New" panose="02070309020205020404" pitchFamily="49" charset="0"/>
-              </a:rPr>
-              <a:t>Rescomp</a:t>
-            </a:r>
-            <a:r>
-              <a:rPr lang="en-GB" dirty="0">
-                <a:solidFill>
-                  <a:srgbClr val="FF0000"/>
-                </a:solidFill>
-                <a:highlight>
-                  <a:srgbClr val="FFFF00"/>
-                </a:highlight>
-                <a:cs typeface="Courier New" panose="02070309020205020404" pitchFamily="49" charset="0"/>
-              </a:rPr>
-              <a:t>. </a:t>
-            </a:r>
-          </a:p>
-          <a:p>
-            <a:pPr marL="0" indent="0">
-              <a:buFont typeface="Arial" panose="020B0604020202020204" pitchFamily="34" charset="0"/>
-              <a:buNone/>
-            </a:pPr>
-            <a:r>
-              <a:rPr lang="en-GB" dirty="0">
-                <a:latin typeface="Courier New" panose="02070309020205020404" pitchFamily="49" charset="0"/>
-                <a:cs typeface="Courier New" panose="02070309020205020404" pitchFamily="49" charset="0"/>
-              </a:rPr>
-              <a:t>$ snakemake </a:t>
-            </a:r>
-            <a:r>
-              <a:rPr lang="en-GB" dirty="0">
-                <a:solidFill>
-                  <a:srgbClr val="FF0000"/>
-                </a:solidFill>
-                <a:highlight>
-                  <a:srgbClr val="FFFF00"/>
-                </a:highlight>
-                <a:latin typeface="Courier New" panose="02070309020205020404" pitchFamily="49" charset="0"/>
-                <a:cs typeface="Courier New" panose="02070309020205020404" pitchFamily="49" charset="0"/>
-              </a:rPr>
-              <a:t>--max-status-checks-per-second 0.01 </a:t>
-            </a:r>
-            <a:r>
-              <a:rPr lang="en-GB" dirty="0">
-                <a:latin typeface="Courier New" panose="02070309020205020404" pitchFamily="49" charset="0"/>
-                <a:cs typeface="Courier New" panose="02070309020205020404" pitchFamily="49" charset="0"/>
-              </a:rPr>
-              <a:t>[…other </a:t>
-            </a:r>
-            <a:r>
-              <a:rPr lang="en-GB" dirty="0" err="1">
-                <a:latin typeface="Courier New" panose="02070309020205020404" pitchFamily="49" charset="0"/>
-                <a:cs typeface="Courier New" panose="02070309020205020404" pitchFamily="49" charset="0"/>
-              </a:rPr>
-              <a:t>args</a:t>
-            </a:r>
-            <a:r>
-              <a:rPr lang="en-GB" dirty="0">
-                <a:latin typeface="Courier New" panose="02070309020205020404" pitchFamily="49" charset="0"/>
-                <a:cs typeface="Courier New" panose="02070309020205020404" pitchFamily="49" charset="0"/>
-              </a:rPr>
-              <a:t>…]</a:t>
-            </a:r>
-          </a:p>
-        </p:txBody>
-      </p:sp>
-      <p:sp>
-        <p:nvSpPr>
-          <p:cNvPr id="6" name="TextBox 5">
-            <a:extLst>
-              <a:ext uri="{FF2B5EF4-FFF2-40B4-BE49-F238E27FC236}">
-                <a16:creationId xmlns:a16="http://schemas.microsoft.com/office/drawing/2014/main" id="{9B33D9F1-09AD-49E3-A4E1-A6C5A98ECD30}"/>
-              </a:ext>
-            </a:extLst>
-          </p:cNvPr>
-          <p:cNvSpPr txBox="1"/>
-          <p:nvPr/>
-        </p:nvSpPr>
-        <p:spPr>
-          <a:xfrm>
-            <a:off x="932156" y="4168065"/>
-            <a:ext cx="7368466" cy="2246769"/>
-          </a:xfrm>
-          <a:prstGeom prst="rect">
-            <a:avLst/>
-          </a:prstGeom>
-          <a:noFill/>
-          <a:ln>
-            <a:solidFill>
-              <a:schemeClr val="tx1"/>
-            </a:solidFill>
-          </a:ln>
-        </p:spPr>
-        <p:txBody>
-          <a:bodyPr wrap="square" rtlCol="0">
-            <a:spAutoFit/>
-          </a:bodyPr>
-          <a:lstStyle/>
-          <a:p>
-            <a:pPr marL="0" indent="0">
-              <a:buFont typeface="Arial" panose="020B0604020202020204" pitchFamily="34" charset="0"/>
-              <a:buNone/>
-            </a:pPr>
-            <a:r>
-              <a:rPr lang="en-GB" sz="1400" dirty="0">
-                <a:latin typeface="Courier New" panose="02070309020205020404" pitchFamily="49" charset="0"/>
-                <a:cs typeface="Courier New" panose="02070309020205020404" pitchFamily="49" charset="0"/>
-              </a:rPr>
-              <a:t>{</a:t>
-            </a:r>
-          </a:p>
-          <a:p>
-            <a:pPr marL="0" indent="0">
-              <a:buFont typeface="Arial" panose="020B0604020202020204" pitchFamily="34" charset="0"/>
-              <a:buNone/>
-            </a:pPr>
-            <a:r>
-              <a:rPr lang="en-GB" sz="1400" dirty="0">
-                <a:latin typeface="Courier New" panose="02070309020205020404" pitchFamily="49" charset="0"/>
-                <a:cs typeface="Courier New" panose="02070309020205020404" pitchFamily="49" charset="0"/>
-              </a:rPr>
-              <a:t>	“__default__”:</a:t>
-            </a:r>
-          </a:p>
-          <a:p>
-            <a:pPr marL="0" indent="0">
-              <a:buFont typeface="Arial" panose="020B0604020202020204" pitchFamily="34" charset="0"/>
-              <a:buNone/>
-            </a:pPr>
-            <a:r>
-              <a:rPr lang="en-GB" sz="1400" dirty="0">
-                <a:latin typeface="Courier New" panose="02070309020205020404" pitchFamily="49" charset="0"/>
-                <a:cs typeface="Courier New" panose="02070309020205020404" pitchFamily="49" charset="0"/>
-              </a:rPr>
-              <a:t>		{</a:t>
-            </a:r>
-          </a:p>
-          <a:p>
-            <a:pPr marL="0" indent="0">
-              <a:buFont typeface="Arial" panose="020B0604020202020204" pitchFamily="34" charset="0"/>
-              <a:buNone/>
-            </a:pPr>
-            <a:r>
-              <a:rPr lang="en-GB" sz="1400" dirty="0">
-                <a:latin typeface="Courier New" panose="02070309020205020404" pitchFamily="49" charset="0"/>
-                <a:cs typeface="Courier New" panose="02070309020205020404" pitchFamily="49" charset="0"/>
-              </a:rPr>
-              <a:t>		“</a:t>
-            </a:r>
-            <a:r>
-              <a:rPr lang="en-GB" sz="1400" dirty="0">
-                <a:highlight>
-                  <a:srgbClr val="FF00FF"/>
-                </a:highlight>
-                <a:latin typeface="Courier New" panose="02070309020205020404" pitchFamily="49" charset="0"/>
-                <a:cs typeface="Courier New" panose="02070309020205020404" pitchFamily="49" charset="0"/>
-              </a:rPr>
-              <a:t>time</a:t>
-            </a:r>
-            <a:r>
-              <a:rPr lang="en-GB" sz="1400" dirty="0">
-                <a:latin typeface="Courier New" panose="02070309020205020404" pitchFamily="49" charset="0"/>
-                <a:cs typeface="Courier New" panose="02070309020205020404" pitchFamily="49" charset="0"/>
-              </a:rPr>
-              <a:t>”: “</a:t>
-            </a:r>
-            <a:r>
-              <a:rPr lang="en-GB" sz="1400" dirty="0" err="1">
-                <a:latin typeface="Courier New" panose="02070309020205020404" pitchFamily="49" charset="0"/>
-                <a:cs typeface="Courier New" panose="02070309020205020404" pitchFamily="49" charset="0"/>
-              </a:rPr>
-              <a:t>short.qc</a:t>
-            </a:r>
-            <a:r>
-              <a:rPr lang="en-GB" sz="1400" dirty="0">
-                <a:latin typeface="Courier New" panose="02070309020205020404" pitchFamily="49" charset="0"/>
-                <a:cs typeface="Courier New" panose="02070309020205020404" pitchFamily="49" charset="0"/>
-              </a:rPr>
-              <a:t>”,</a:t>
-            </a:r>
-          </a:p>
-          <a:p>
-            <a:pPr marL="0" indent="0">
-              <a:buFont typeface="Arial" panose="020B0604020202020204" pitchFamily="34" charset="0"/>
-              <a:buNone/>
-            </a:pPr>
-            <a:r>
-              <a:rPr lang="en-GB" sz="1400" dirty="0">
-                <a:latin typeface="Courier New" panose="02070309020205020404" pitchFamily="49" charset="0"/>
-                <a:cs typeface="Courier New" panose="02070309020205020404" pitchFamily="49" charset="0"/>
-              </a:rPr>
-              <a:t>		“</a:t>
-            </a:r>
-            <a:r>
-              <a:rPr lang="en-GB" sz="1400" dirty="0">
-                <a:highlight>
-                  <a:srgbClr val="FFFF00"/>
-                </a:highlight>
-                <a:latin typeface="Courier New" panose="02070309020205020404" pitchFamily="49" charset="0"/>
-                <a:cs typeface="Courier New" panose="02070309020205020404" pitchFamily="49" charset="0"/>
-              </a:rPr>
-              <a:t>slots</a:t>
-            </a:r>
-            <a:r>
-              <a:rPr lang="en-GB" sz="1400" dirty="0">
-                <a:latin typeface="Courier New" panose="02070309020205020404" pitchFamily="49" charset="0"/>
-                <a:cs typeface="Courier New" panose="02070309020205020404" pitchFamily="49" charset="0"/>
-              </a:rPr>
-              <a:t>”: 1,</a:t>
-            </a:r>
-          </a:p>
-          <a:p>
-            <a:pPr marL="0" indent="0">
-              <a:buFont typeface="Arial" panose="020B0604020202020204" pitchFamily="34" charset="0"/>
-              <a:buNone/>
-            </a:pPr>
-            <a:r>
-              <a:rPr lang="en-GB" sz="1400" dirty="0">
-                <a:latin typeface="Courier New" panose="02070309020205020404" pitchFamily="49" charset="0"/>
-                <a:cs typeface="Courier New" panose="02070309020205020404" pitchFamily="49" charset="0"/>
-              </a:rPr>
-              <a:t>		“</a:t>
-            </a:r>
-            <a:r>
-              <a:rPr lang="en-GB" sz="1400" dirty="0">
-                <a:highlight>
-                  <a:srgbClr val="FF0000"/>
-                </a:highlight>
-                <a:latin typeface="Courier New" panose="02070309020205020404" pitchFamily="49" charset="0"/>
-                <a:cs typeface="Courier New" panose="02070309020205020404" pitchFamily="49" charset="0"/>
-              </a:rPr>
-              <a:t>project</a:t>
-            </a:r>
-            <a:r>
-              <a:rPr lang="en-GB" sz="1400" dirty="0">
-                <a:latin typeface="Courier New" panose="02070309020205020404" pitchFamily="49" charset="0"/>
-                <a:cs typeface="Courier New" panose="02070309020205020404" pitchFamily="49" charset="0"/>
-              </a:rPr>
-              <a:t>”: “</a:t>
-            </a:r>
-            <a:r>
-              <a:rPr lang="en-GB" sz="1400" dirty="0" err="1">
-                <a:latin typeface="Courier New" panose="02070309020205020404" pitchFamily="49" charset="0"/>
-                <a:cs typeface="Courier New" panose="02070309020205020404" pitchFamily="49" charset="0"/>
-              </a:rPr>
-              <a:t>project.prjc</a:t>
-            </a:r>
-            <a:r>
-              <a:rPr lang="en-GB" sz="1400" dirty="0">
-                <a:latin typeface="Courier New" panose="02070309020205020404" pitchFamily="49" charset="0"/>
-                <a:cs typeface="Courier New" panose="02070309020205020404" pitchFamily="49" charset="0"/>
-              </a:rPr>
-              <a:t>”,</a:t>
-            </a:r>
-          </a:p>
-          <a:p>
-            <a:pPr marL="0" indent="0">
-              <a:buFont typeface="Arial" panose="020B0604020202020204" pitchFamily="34" charset="0"/>
-              <a:buNone/>
-            </a:pPr>
-            <a:r>
-              <a:rPr lang="en-GB" sz="1400" dirty="0">
-                <a:latin typeface="Courier New" panose="02070309020205020404" pitchFamily="49" charset="0"/>
-                <a:cs typeface="Courier New" panose="02070309020205020404" pitchFamily="49" charset="0"/>
-              </a:rPr>
-              <a:t>		“</a:t>
-            </a:r>
-            <a:r>
-              <a:rPr lang="en-GB" sz="1400" dirty="0">
-                <a:highlight>
-                  <a:srgbClr val="00FFFF"/>
-                </a:highlight>
-                <a:latin typeface="Courier New" panose="02070309020205020404" pitchFamily="49" charset="0"/>
-                <a:cs typeface="Courier New" panose="02070309020205020404" pitchFamily="49" charset="0"/>
-              </a:rPr>
-              <a:t>output</a:t>
-            </a:r>
-            <a:r>
-              <a:rPr lang="en-GB" sz="1400" dirty="0">
-                <a:latin typeface="Courier New" panose="02070309020205020404" pitchFamily="49" charset="0"/>
-                <a:cs typeface="Courier New" panose="02070309020205020404" pitchFamily="49" charset="0"/>
-              </a:rPr>
-              <a:t>”: “path/to/</a:t>
-            </a:r>
-            <a:r>
-              <a:rPr lang="en-GB" sz="1400" dirty="0" err="1">
-                <a:latin typeface="Courier New" panose="02070309020205020404" pitchFamily="49" charset="0"/>
-                <a:cs typeface="Courier New" panose="02070309020205020404" pitchFamily="49" charset="0"/>
-              </a:rPr>
-              <a:t>output_folder</a:t>
-            </a:r>
-            <a:r>
-              <a:rPr lang="en-GB" sz="1400" dirty="0">
-                <a:latin typeface="Courier New" panose="02070309020205020404" pitchFamily="49" charset="0"/>
-                <a:cs typeface="Courier New" panose="02070309020205020404" pitchFamily="49" charset="0"/>
-              </a:rPr>
-              <a:t>/”</a:t>
-            </a:r>
-          </a:p>
-          <a:p>
-            <a:pPr marL="0" indent="0">
-              <a:buFont typeface="Arial" panose="020B0604020202020204" pitchFamily="34" charset="0"/>
-              <a:buNone/>
-            </a:pPr>
-            <a:r>
-              <a:rPr lang="en-GB" sz="1400" dirty="0">
-                <a:latin typeface="Courier New" panose="02070309020205020404" pitchFamily="49" charset="0"/>
-                <a:cs typeface="Courier New" panose="02070309020205020404" pitchFamily="49" charset="0"/>
-              </a:rPr>
-              <a:t>		“</a:t>
-            </a:r>
-            <a:r>
-              <a:rPr lang="en-GB" sz="1400" dirty="0">
-                <a:highlight>
-                  <a:srgbClr val="00FF00"/>
-                </a:highlight>
-                <a:latin typeface="Courier New" panose="02070309020205020404" pitchFamily="49" charset="0"/>
-                <a:cs typeface="Courier New" panose="02070309020205020404" pitchFamily="49" charset="0"/>
-              </a:rPr>
-              <a:t>job-name</a:t>
-            </a:r>
-            <a:r>
-              <a:rPr lang="en-GB" sz="1400" dirty="0">
-                <a:latin typeface="Courier New" panose="02070309020205020404" pitchFamily="49" charset="0"/>
-                <a:cs typeface="Courier New" panose="02070309020205020404" pitchFamily="49" charset="0"/>
-              </a:rPr>
-              <a:t>”: “</a:t>
-            </a:r>
-            <a:r>
-              <a:rPr lang="en-GB" sz="1400" dirty="0" err="1">
-                <a:latin typeface="Courier New" panose="02070309020205020404" pitchFamily="49" charset="0"/>
-                <a:cs typeface="Courier New" panose="02070309020205020404" pitchFamily="49" charset="0"/>
-              </a:rPr>
-              <a:t>default_job</a:t>
-            </a:r>
-            <a:r>
-              <a:rPr lang="en-GB" sz="1400" dirty="0">
-                <a:latin typeface="Courier New" panose="02070309020205020404" pitchFamily="49" charset="0"/>
-                <a:cs typeface="Courier New" panose="02070309020205020404" pitchFamily="49" charset="0"/>
-              </a:rPr>
-              <a:t>”</a:t>
-            </a:r>
-          </a:p>
-          <a:p>
-            <a:pPr marL="0" indent="0">
-              <a:buFont typeface="Arial" panose="020B0604020202020204" pitchFamily="34" charset="0"/>
-              <a:buNone/>
-            </a:pPr>
-            <a:r>
-              <a:rPr lang="en-GB" sz="1400" dirty="0">
-                <a:latin typeface="Courier New" panose="02070309020205020404" pitchFamily="49" charset="0"/>
-                <a:cs typeface="Courier New" panose="02070309020205020404" pitchFamily="49" charset="0"/>
-              </a:rPr>
-              <a:t>	}</a:t>
-            </a:r>
-          </a:p>
-          <a:p>
-            <a:pPr marL="0" indent="0">
-              <a:buFont typeface="Arial" panose="020B0604020202020204" pitchFamily="34" charset="0"/>
-              <a:buNone/>
-            </a:pPr>
-            <a:r>
-              <a:rPr lang="en-GB" sz="1400" dirty="0">
-                <a:latin typeface="Courier New" panose="02070309020205020404" pitchFamily="49" charset="0"/>
-                <a:cs typeface="Courier New" panose="02070309020205020404" pitchFamily="49" charset="0"/>
-              </a:rPr>
-              <a:t>}</a:t>
-            </a:r>
-            <a:endParaRPr lang="en-GB" sz="1400" dirty="0"/>
           </a:p>
         </p:txBody>
       </p:sp>
     </p:spTree>
     <p:extLst>
       <p:ext uri="{BB962C8B-B14F-4D97-AF65-F5344CB8AC3E}">
-        <p14:creationId xmlns:p14="http://schemas.microsoft.com/office/powerpoint/2010/main" val="807480579"/>
+        <p14:creationId xmlns:p14="http://schemas.microsoft.com/office/powerpoint/2010/main" val="692825558"/>
       </p:ext>
     </p:extLst>
   </p:cSld>
   <p:clrMapOvr>
     <a:masterClrMapping/>
   </p:clrMapOvr>
-  <p:timing>
-    <p:tnLst>
-      <p:par>
-        <p:cTn id="1" dur="indefinite" restart="never" nodeType="tmRoot">
-          <p:childTnLst>
-            <p:seq concurrent="1" nextAc="seek">
-              <p:cTn id="2" dur="indefinite" nodeType="mainSeq">
-                <p:childTnLst>
-                  <p:par>
-                    <p:cTn id="3" fill="hold">
-                      <p:stCondLst>
-                        <p:cond delay="indefinite"/>
-                      </p:stCondLst>
-                      <p:childTnLst>
-                        <p:par>
-                          <p:cTn id="4" fill="hold">
-                            <p:stCondLst>
-                              <p:cond delay="0"/>
-                            </p:stCondLst>
-                            <p:childTnLst>
-                              <p:par>
-                                <p:cTn id="5" presetID="1" presetClass="entr" presetSubtype="0" fill="hold" grpId="0" nodeType="clickEffect">
-                                  <p:stCondLst>
-                                    <p:cond delay="0"/>
-                                  </p:stCondLst>
-                                  <p:childTnLst>
-                                    <p:set>
-                                      <p:cBhvr>
-                                        <p:cTn id="6" dur="1" fill="hold">
-                                          <p:stCondLst>
-                                            <p:cond delay="0"/>
-                                          </p:stCondLst>
-                                        </p:cTn>
-                                        <p:tgtEl>
-                                          <p:spTgt spid="3">
-                                            <p:txEl>
-                                              <p:pRg st="0" end="0"/>
-                                            </p:txEl>
-                                          </p:spTgt>
-                                        </p:tgtEl>
-                                        <p:attrNameLst>
-                                          <p:attrName>style.visibility</p:attrName>
-                                        </p:attrNameLst>
-                                      </p:cBhvr>
-                                      <p:to>
-                                        <p:strVal val="visible"/>
-                                      </p:to>
-                                    </p:set>
-                                  </p:childTnLst>
-                                </p:cTn>
-                              </p:par>
-                              <p:par>
-                                <p:cTn id="7" presetID="1" presetClass="entr" presetSubtype="0" fill="hold" grpId="0" nodeType="withEffect">
-                                  <p:stCondLst>
-                                    <p:cond delay="0"/>
-                                  </p:stCondLst>
-                                  <p:childTnLst>
-                                    <p:set>
-                                      <p:cBhvr>
-                                        <p:cTn id="8" dur="1" fill="hold">
-                                          <p:stCondLst>
-                                            <p:cond delay="0"/>
-                                          </p:stCondLst>
-                                        </p:cTn>
-                                        <p:tgtEl>
-                                          <p:spTgt spid="3">
-                                            <p:txEl>
-                                              <p:pRg st="1" end="1"/>
-                                            </p:txEl>
-                                          </p:spTgt>
-                                        </p:tgtEl>
-                                        <p:attrNameLst>
-                                          <p:attrName>style.visibility</p:attrName>
-                                        </p:attrNameLst>
-                                      </p:cBhvr>
-                                      <p:to>
-                                        <p:strVal val="visible"/>
-                                      </p:to>
-                                    </p:set>
-                                  </p:childTnLst>
-                                </p:cTn>
-                              </p:par>
-                              <p:par>
-                                <p:cTn id="9" presetID="1" presetClass="entr" presetSubtype="0" fill="hold" grpId="0" nodeType="withEffect">
-                                  <p:stCondLst>
-                                    <p:cond delay="0"/>
-                                  </p:stCondLst>
-                                  <p:childTnLst>
-                                    <p:set>
-                                      <p:cBhvr>
-                                        <p:cTn id="10" dur="1" fill="hold">
-                                          <p:stCondLst>
-                                            <p:cond delay="0"/>
-                                          </p:stCondLst>
-                                        </p:cTn>
-                                        <p:tgtEl>
-                                          <p:spTgt spid="3">
-                                            <p:txEl>
-                                              <p:pRg st="2" end="2"/>
-                                            </p:txEl>
-                                          </p:spTgt>
-                                        </p:tgtEl>
-                                        <p:attrNameLst>
-                                          <p:attrName>style.visibility</p:attrName>
-                                        </p:attrNameLst>
-                                      </p:cBhvr>
-                                      <p:to>
-                                        <p:strVal val="visible"/>
-                                      </p:to>
-                                    </p:set>
-                                  </p:childTnLst>
-                                </p:cTn>
-                              </p:par>
-                              <p:par>
-                                <p:cTn id="11" presetID="1" presetClass="entr" presetSubtype="0" fill="hold" grpId="0" nodeType="withEffect">
-                                  <p:stCondLst>
-                                    <p:cond delay="0"/>
-                                  </p:stCondLst>
-                                  <p:childTnLst>
-                                    <p:set>
-                                      <p:cBhvr>
-                                        <p:cTn id="12" dur="1" fill="hold">
-                                          <p:stCondLst>
-                                            <p:cond delay="0"/>
-                                          </p:stCondLst>
-                                        </p:cTn>
-                                        <p:tgtEl>
-                                          <p:spTgt spid="3">
-                                            <p:txEl>
-                                              <p:pRg st="4" end="4"/>
-                                            </p:txEl>
-                                          </p:spTgt>
-                                        </p:tgtEl>
-                                        <p:attrNameLst>
-                                          <p:attrName>style.visibility</p:attrName>
-                                        </p:attrNameLst>
-                                      </p:cBhvr>
-                                      <p:to>
-                                        <p:strVal val="visible"/>
-                                      </p:to>
-                                    </p:set>
-                                  </p:childTnLst>
-                                </p:cTn>
-                              </p:par>
-                            </p:childTnLst>
-                          </p:cTn>
-                        </p:par>
-                      </p:childTnLst>
-                    </p:cTn>
-                  </p:par>
-                  <p:par>
-                    <p:cTn id="13" fill="hold">
-                      <p:stCondLst>
-                        <p:cond delay="indefinite"/>
-                      </p:stCondLst>
-                      <p:childTnLst>
-                        <p:par>
-                          <p:cTn id="14" fill="hold">
-                            <p:stCondLst>
-                              <p:cond delay="0"/>
-                            </p:stCondLst>
-                            <p:childTnLst>
-                              <p:par>
-                                <p:cTn id="15" presetID="1" presetClass="entr" presetSubtype="0" fill="hold" grpId="0" nodeType="clickEffect">
-                                  <p:stCondLst>
-                                    <p:cond delay="0"/>
-                                  </p:stCondLst>
-                                  <p:childTnLst>
-                                    <p:set>
-                                      <p:cBhvr>
-                                        <p:cTn id="16" dur="1" fill="hold">
-                                          <p:stCondLst>
-                                            <p:cond delay="0"/>
-                                          </p:stCondLst>
-                                        </p:cTn>
-                                        <p:tgtEl>
-                                          <p:spTgt spid="6"/>
-                                        </p:tgtEl>
-                                        <p:attrNameLst>
-                                          <p:attrName>style.visibility</p:attrName>
-                                        </p:attrNameLst>
-                                      </p:cBhvr>
-                                      <p:to>
-                                        <p:strVal val="visible"/>
-                                      </p:to>
-                                    </p:set>
-                                  </p:childTnLst>
-                                </p:cTn>
-                              </p:par>
-                            </p:childTnLst>
-                          </p:cTn>
-                        </p:par>
-                      </p:childTnLst>
-                    </p:cTn>
-                  </p:par>
-                </p:childTnLst>
-              </p:cTn>
-              <p:prevCondLst>
-                <p:cond evt="onPrev" delay="0">
-                  <p:tgtEl>
-                    <p:sldTgt/>
-                  </p:tgtEl>
-                </p:cond>
-              </p:prevCondLst>
-              <p:nextCondLst>
-                <p:cond evt="onNext" delay="0">
-                  <p:tgtEl>
-                    <p:sldTgt/>
-                  </p:tgtEl>
-                </p:cond>
-              </p:nextCondLst>
-            </p:seq>
-          </p:childTnLst>
-        </p:cTn>
-      </p:par>
-    </p:tnLst>
-    <p:bldLst>
-      <p:bldP spid="3" grpId="0" uiExpand="1" build="p"/>
-      <p:bldP spid="6" grpId="0" animBg="1"/>
-    </p:bldLst>
-  </p:timing>
 </p:sld>
 </file>
 
@@ -7968,7 +6704,7 @@
         </p:nvSpPr>
         <p:spPr>
           <a:xfrm>
-            <a:off x="838200" y="1135"/>
+            <a:off x="838200" y="1133"/>
             <a:ext cx="10515600" cy="1325563"/>
           </a:xfrm>
         </p:spPr>
@@ -7978,7 +6714,7 @@
           <a:p>
             <a:r>
               <a:rPr lang="en-GB" b="1" dirty="0"/>
-              <a:t>Multiple rules</a:t>
+              <a:t>How to build a multi-step workflow</a:t>
             </a:r>
           </a:p>
         </p:txBody>
@@ -8001,209 +6737,356 @@
         </p:nvSpPr>
         <p:spPr>
           <a:xfrm>
-            <a:off x="838200" y="1129681"/>
-            <a:ext cx="10799618" cy="5288873"/>
+            <a:off x="838200" y="3625213"/>
+            <a:ext cx="7705436" cy="1844660"/>
           </a:xfrm>
         </p:spPr>
         <p:txBody>
           <a:bodyPr>
-            <a:normAutofit/>
+            <a:normAutofit fontScale="92500" lnSpcReduction="10000"/>
           </a:bodyPr>
           <a:lstStyle/>
           <a:p>
+            <a:pPr marL="0" indent="0">
+              <a:buNone/>
+            </a:pPr>
+            <a:r>
+              <a:rPr lang="en-GB" dirty="0">
+                <a:solidFill>
+                  <a:schemeClr val="bg1"/>
+                </a:solidFill>
+                <a:highlight>
+                  <a:srgbClr val="000000"/>
+                </a:highlight>
+                <a:latin typeface="Courier New" panose="02070309020205020404" pitchFamily="49" charset="0"/>
+                <a:cs typeface="Courier New" panose="02070309020205020404" pitchFamily="49" charset="0"/>
+              </a:rPr>
+              <a:t>rule all:</a:t>
+            </a:r>
+          </a:p>
+          <a:p>
+            <a:pPr marL="0" indent="0">
+              <a:buNone/>
+            </a:pPr>
+            <a:r>
+              <a:rPr lang="en-GB" dirty="0">
+                <a:solidFill>
+                  <a:schemeClr val="bg1"/>
+                </a:solidFill>
+                <a:highlight>
+                  <a:srgbClr val="000000"/>
+                </a:highlight>
+                <a:latin typeface="Courier New" panose="02070309020205020404" pitchFamily="49" charset="0"/>
+                <a:cs typeface="Courier New" panose="02070309020205020404" pitchFamily="49" charset="0"/>
+              </a:rPr>
+              <a:t>	input: </a:t>
+            </a:r>
+          </a:p>
+          <a:p>
+            <a:pPr marL="0" indent="0">
+              <a:buNone/>
+            </a:pPr>
+            <a:r>
+              <a:rPr lang="en-GB" dirty="0">
+                <a:solidFill>
+                  <a:schemeClr val="bg1"/>
+                </a:solidFill>
+                <a:highlight>
+                  <a:srgbClr val="000000"/>
+                </a:highlight>
+                <a:latin typeface="Courier New" panose="02070309020205020404" pitchFamily="49" charset="0"/>
+                <a:cs typeface="Courier New" panose="02070309020205020404" pitchFamily="49" charset="0"/>
+              </a:rPr>
+              <a:t>		r1 = “final_result1.txt”,</a:t>
+            </a:r>
+          </a:p>
+          <a:p>
+            <a:pPr marL="0" indent="0">
+              <a:buNone/>
+            </a:pPr>
+            <a:r>
+              <a:rPr lang="en-GB" dirty="0">
+                <a:solidFill>
+                  <a:schemeClr val="bg1"/>
+                </a:solidFill>
+                <a:highlight>
+                  <a:srgbClr val="000000"/>
+                </a:highlight>
+                <a:latin typeface="Courier New" panose="02070309020205020404" pitchFamily="49" charset="0"/>
+                <a:cs typeface="Courier New" panose="02070309020205020404" pitchFamily="49" charset="0"/>
+              </a:rPr>
+              <a:t>		r2 = “final_result2.txt”</a:t>
+            </a:r>
+          </a:p>
+        </p:txBody>
+      </p:sp>
+      <p:pic>
+        <p:nvPicPr>
+          <p:cNvPr id="4" name="Picture 3" descr="Diagram&#10;&#10;Description automatically generated">
+            <a:extLst>
+              <a:ext uri="{FF2B5EF4-FFF2-40B4-BE49-F238E27FC236}">
+                <a16:creationId xmlns:a16="http://schemas.microsoft.com/office/drawing/2014/main" id="{FCED53CF-262E-41EE-ACAE-4706D6A1B1B4}"/>
+              </a:ext>
+            </a:extLst>
+          </p:cNvPr>
+          <p:cNvPicPr>
+            <a:picLocks noChangeAspect="1"/>
+          </p:cNvPicPr>
+          <p:nvPr/>
+        </p:nvPicPr>
+        <p:blipFill>
+          <a:blip r:embed="rId2">
+            <a:extLst>
+              <a:ext uri="{28A0092B-C50C-407E-A947-70E740481C1C}">
+                <a14:useLocalDpi xmlns:a14="http://schemas.microsoft.com/office/drawing/2010/main" val="0"/>
+              </a:ext>
+            </a:extLst>
+          </a:blip>
+          <a:stretch>
+            <a:fillRect/>
+          </a:stretch>
+        </p:blipFill>
+        <p:spPr>
+          <a:xfrm>
+            <a:off x="10217241" y="3359690"/>
+            <a:ext cx="1800225" cy="3305175"/>
+          </a:xfrm>
+          <a:prstGeom prst="rect">
+            <a:avLst/>
+          </a:prstGeom>
+        </p:spPr>
+      </p:pic>
+      <p:sp>
+        <p:nvSpPr>
+          <p:cNvPr id="8" name="TextBox 7">
+            <a:extLst>
+              <a:ext uri="{FF2B5EF4-FFF2-40B4-BE49-F238E27FC236}">
+                <a16:creationId xmlns:a16="http://schemas.microsoft.com/office/drawing/2014/main" id="{48486939-A109-43F2-92EE-A4D9262C7D06}"/>
+              </a:ext>
+            </a:extLst>
+          </p:cNvPr>
+          <p:cNvSpPr txBox="1"/>
+          <p:nvPr/>
+        </p:nvSpPr>
+        <p:spPr>
+          <a:xfrm>
+            <a:off x="838200" y="1028343"/>
+            <a:ext cx="11084511" cy="1569660"/>
+          </a:xfrm>
+          <a:prstGeom prst="rect">
+            <a:avLst/>
+          </a:prstGeom>
+          <a:noFill/>
+        </p:spPr>
+        <p:txBody>
+          <a:bodyPr wrap="square">
+            <a:spAutoFit/>
+          </a:bodyPr>
+          <a:lstStyle/>
+          <a:p>
+            <a:pPr marL="342900" indent="-342900">
+              <a:buFont typeface="Arial" panose="020B0604020202020204" pitchFamily="34" charset="0"/>
+              <a:buChar char="•"/>
+            </a:pPr>
             <a:r>
               <a:rPr lang="en-GB" sz="2400" dirty="0">
                 <a:cs typeface="Courier New" panose="02070309020205020404" pitchFamily="49" charset="0"/>
               </a:rPr>
-              <a:t>By default, snakemake runs the first rule in a Snakefile, if a target rule is not specified at the command-line</a:t>
-            </a:r>
-          </a:p>
-          <a:p>
-            <a:endParaRPr lang="en-GB" sz="2400" dirty="0">
-              <a:cs typeface="Courier New" panose="02070309020205020404" pitchFamily="49" charset="0"/>
-            </a:endParaRPr>
-          </a:p>
-          <a:p>
-            <a:r>
-              <a:rPr lang="en-GB" sz="2400" dirty="0">
-                <a:cs typeface="Courier New" panose="02070309020205020404" pitchFamily="49" charset="0"/>
-              </a:rPr>
-              <a:t>By default, snakemake does not re-run rules whose output already exists. To re-run:</a:t>
-            </a:r>
-          </a:p>
-          <a:p>
-            <a:pPr lvl="1"/>
+              <a:t>When constructing a workflow, it may help to think ‘backwards’</a:t>
+            </a:r>
+          </a:p>
+          <a:p>
+            <a:pPr marL="800100" lvl="1" indent="-342900">
+              <a:buFont typeface="Arial" panose="020B0604020202020204" pitchFamily="34" charset="0"/>
+              <a:buChar char="•"/>
+            </a:pPr>
+            <a:r>
+              <a:rPr lang="en-GB" dirty="0">
+                <a:cs typeface="Courier New" panose="02070309020205020404" pitchFamily="49" charset="0"/>
+              </a:rPr>
+              <a:t>The </a:t>
+            </a:r>
+            <a:r>
+              <a:rPr lang="en-GB" dirty="0">
+                <a:solidFill>
+                  <a:schemeClr val="bg1"/>
+                </a:solidFill>
+                <a:highlight>
+                  <a:srgbClr val="000000"/>
+                </a:highlight>
+                <a:latin typeface="Courier New" panose="02070309020205020404" pitchFamily="49" charset="0"/>
+                <a:cs typeface="Courier New" panose="02070309020205020404" pitchFamily="49" charset="0"/>
+              </a:rPr>
+              <a:t>input</a:t>
+            </a:r>
+            <a:r>
+              <a:rPr lang="en-GB" dirty="0">
+                <a:cs typeface="Courier New" panose="02070309020205020404" pitchFamily="49" charset="0"/>
+              </a:rPr>
+              <a:t> of the first rule (= target rule) is the final results you desire; target rule does not need </a:t>
+            </a:r>
+            <a:r>
+              <a:rPr lang="en-GB" dirty="0">
+                <a:solidFill>
+                  <a:schemeClr val="bg1"/>
+                </a:solidFill>
+                <a:highlight>
+                  <a:srgbClr val="000000"/>
+                </a:highlight>
+                <a:latin typeface="Courier New" panose="02070309020205020404" pitchFamily="49" charset="0"/>
+                <a:cs typeface="Courier New" panose="02070309020205020404" pitchFamily="49" charset="0"/>
+              </a:rPr>
+              <a:t>output</a:t>
+            </a:r>
+          </a:p>
+          <a:p>
+            <a:pPr marL="800100" lvl="1" indent="-342900">
+              <a:buFont typeface="Arial" panose="020B0604020202020204" pitchFamily="34" charset="0"/>
+              <a:buChar char="•"/>
+            </a:pPr>
             <a:r>
               <a:rPr lang="en-GB" sz="1800" dirty="0">
                 <a:cs typeface="Courier New" panose="02070309020205020404" pitchFamily="49" charset="0"/>
               </a:rPr>
-              <a:t>Update input files, e.g. </a:t>
+              <a:t>Which rule’s </a:t>
             </a:r>
             <a:r>
               <a:rPr lang="en-GB" sz="1800" dirty="0">
+                <a:solidFill>
+                  <a:schemeClr val="bg1"/>
+                </a:solidFill>
                 <a:highlight>
-                  <a:srgbClr val="C0C0C0"/>
+                  <a:srgbClr val="000000"/>
                 </a:highlight>
                 <a:latin typeface="Courier New" panose="02070309020205020404" pitchFamily="49" charset="0"/>
                 <a:cs typeface="Courier New" panose="02070309020205020404" pitchFamily="49" charset="0"/>
               </a:rPr>
-              <a:t>$ touch </a:t>
+              <a:t>output</a:t>
+            </a:r>
+            <a:r>
+              <a:rPr lang="en-GB" sz="1800" dirty="0">
+                <a:cs typeface="Courier New" panose="02070309020205020404" pitchFamily="49" charset="0"/>
+              </a:rPr>
+              <a:t> creates the </a:t>
+            </a:r>
+            <a:r>
+              <a:rPr lang="en-GB" sz="1800" dirty="0">
+                <a:solidFill>
+                  <a:schemeClr val="bg1"/>
+                </a:solidFill>
+                <a:highlight>
+                  <a:srgbClr val="000000"/>
+                </a:highlight>
+                <a:latin typeface="Courier New" panose="02070309020205020404" pitchFamily="49" charset="0"/>
+                <a:cs typeface="Courier New" panose="02070309020205020404" pitchFamily="49" charset="0"/>
+              </a:rPr>
+              <a:t>input</a:t>
+            </a:r>
+            <a:r>
+              <a:rPr lang="en-GB" sz="1800" dirty="0">
+                <a:cs typeface="Courier New" panose="02070309020205020404" pitchFamily="49" charset="0"/>
+              </a:rPr>
+              <a:t> for the target rule? (let’s call this rule </a:t>
             </a:r>
             <a:r>
               <a:rPr lang="en-GB" sz="1800" dirty="0" err="1">
+                <a:cs typeface="Courier New" panose="02070309020205020404" pitchFamily="49" charset="0"/>
+              </a:rPr>
+              <a:t>penultimate_rule</a:t>
+            </a:r>
+            <a:r>
+              <a:rPr lang="en-GB" sz="1800" dirty="0">
+                <a:cs typeface="Courier New" panose="02070309020205020404" pitchFamily="49" charset="0"/>
+              </a:rPr>
+              <a:t>)</a:t>
+            </a:r>
+          </a:p>
+          <a:p>
+            <a:pPr marL="800100" lvl="1" indent="-342900">
+              <a:buFont typeface="Arial" panose="020B0604020202020204" pitchFamily="34" charset="0"/>
+              <a:buChar char="•"/>
+            </a:pPr>
+            <a:r>
+              <a:rPr lang="en-GB" sz="1800" dirty="0">
+                <a:cs typeface="Courier New" panose="02070309020205020404" pitchFamily="49" charset="0"/>
+              </a:rPr>
+              <a:t>Which rule creates the </a:t>
+            </a:r>
+            <a:r>
+              <a:rPr lang="en-GB" sz="1800" dirty="0">
+                <a:solidFill>
+                  <a:schemeClr val="bg1"/>
+                </a:solidFill>
                 <a:highlight>
-                  <a:srgbClr val="C0C0C0"/>
+                  <a:srgbClr val="000000"/>
                 </a:highlight>
                 <a:latin typeface="Courier New" panose="02070309020205020404" pitchFamily="49" charset="0"/>
                 <a:cs typeface="Courier New" panose="02070309020205020404" pitchFamily="49" charset="0"/>
               </a:rPr>
-              <a:t>input_files</a:t>
+              <a:t>input</a:t>
             </a:r>
             <a:r>
               <a:rPr lang="en-GB" sz="1800" dirty="0">
+                <a:cs typeface="Courier New" panose="02070309020205020404" pitchFamily="49" charset="0"/>
+              </a:rPr>
+              <a:t> for </a:t>
+            </a:r>
+            <a:r>
+              <a:rPr lang="en-GB" sz="1800" dirty="0" err="1">
+                <a:cs typeface="Courier New" panose="02070309020205020404" pitchFamily="49" charset="0"/>
+              </a:rPr>
+              <a:t>penultimate_rule</a:t>
+            </a:r>
+            <a:r>
+              <a:rPr lang="en-GB" sz="1800" dirty="0">
+                <a:cs typeface="Courier New" panose="02070309020205020404" pitchFamily="49" charset="0"/>
+              </a:rPr>
+              <a:t>? </a:t>
+            </a:r>
+          </a:p>
+          <a:p>
+            <a:pPr marL="800100" lvl="1" indent="-342900">
+              <a:buFont typeface="Arial" panose="020B0604020202020204" pitchFamily="34" charset="0"/>
+              <a:buChar char="•"/>
+            </a:pPr>
+            <a:r>
+              <a:rPr lang="en-GB" sz="1800" dirty="0">
+                <a:cs typeface="Courier New" panose="02070309020205020404" pitchFamily="49" charset="0"/>
+              </a:rPr>
+              <a:t>and so on… until you write the rule that takes your existing input files (e.g. your raw </a:t>
+            </a:r>
+            <a:r>
+              <a:rPr lang="en-GB" sz="1800" dirty="0" err="1">
+                <a:cs typeface="Courier New" panose="02070309020205020404" pitchFamily="49" charset="0"/>
+              </a:rPr>
+              <a:t>fastq</a:t>
+            </a:r>
+            <a:r>
+              <a:rPr lang="en-GB" sz="1800" dirty="0">
+                <a:cs typeface="Courier New" panose="02070309020205020404" pitchFamily="49" charset="0"/>
+              </a:rPr>
+              <a:t> files) as </a:t>
+            </a:r>
+            <a:r>
+              <a:rPr lang="en-GB" sz="1800" dirty="0">
+                <a:solidFill>
+                  <a:schemeClr val="bg1"/>
+                </a:solidFill>
                 <a:highlight>
-                  <a:srgbClr val="C0C0C0"/>
+                  <a:srgbClr val="000000"/>
                 </a:highlight>
                 <a:latin typeface="Courier New" panose="02070309020205020404" pitchFamily="49" charset="0"/>
                 <a:cs typeface="Courier New" panose="02070309020205020404" pitchFamily="49" charset="0"/>
               </a:rPr>
-              <a:t>/*.* </a:t>
-            </a:r>
-            <a:endParaRPr lang="en-GB" sz="1800" dirty="0">
-              <a:cs typeface="Courier New" panose="02070309020205020404" pitchFamily="49" charset="0"/>
-            </a:endParaRPr>
-          </a:p>
-          <a:p>
-            <a:pPr lvl="1"/>
-            <a:r>
-              <a:rPr lang="en-GB" sz="1800" dirty="0">
-                <a:cs typeface="Courier New" panose="02070309020205020404" pitchFamily="49" charset="0"/>
-              </a:rPr>
-              <a:t>Use </a:t>
-            </a:r>
-            <a:r>
-              <a:rPr lang="en-GB" sz="1800" dirty="0">
-                <a:highlight>
-                  <a:srgbClr val="C0C0C0"/>
-                </a:highlight>
-                <a:latin typeface="Courier New" panose="02070309020205020404" pitchFamily="49" charset="0"/>
-                <a:cs typeface="Courier New" panose="02070309020205020404" pitchFamily="49" charset="0"/>
-              </a:rPr>
-              <a:t>--force</a:t>
-            </a:r>
-            <a:r>
-              <a:rPr lang="en-GB" sz="1800" dirty="0">
-                <a:highlight>
-                  <a:srgbClr val="C0C0C0"/>
-                </a:highlight>
-                <a:cs typeface="Courier New" panose="02070309020205020404" pitchFamily="49" charset="0"/>
-              </a:rPr>
-              <a:t> </a:t>
-            </a:r>
-            <a:r>
-              <a:rPr lang="en-GB" sz="1800" dirty="0">
-                <a:cs typeface="Courier New" panose="02070309020205020404" pitchFamily="49" charset="0"/>
-              </a:rPr>
-              <a:t>argument (See below)</a:t>
-            </a:r>
-          </a:p>
-          <a:p>
-            <a:pPr lvl="1"/>
-            <a:r>
-              <a:rPr lang="en-GB" sz="1800" dirty="0">
-                <a:cs typeface="Courier New" panose="02070309020205020404" pitchFamily="49" charset="0"/>
-              </a:rPr>
-              <a:t>Use </a:t>
-            </a:r>
-            <a:r>
-              <a:rPr lang="en-GB" sz="1800" dirty="0">
-                <a:highlight>
-                  <a:srgbClr val="C0C0C0"/>
-                </a:highlight>
-                <a:latin typeface="Courier New" panose="02070309020205020404" pitchFamily="49" charset="0"/>
-                <a:cs typeface="Courier New" panose="02070309020205020404" pitchFamily="49" charset="0"/>
-              </a:rPr>
-              <a:t>--delete-all-output</a:t>
-            </a:r>
-            <a:r>
-              <a:rPr lang="en-GB" sz="1800" dirty="0">
-                <a:cs typeface="Courier New" panose="02070309020205020404" pitchFamily="49" charset="0"/>
-              </a:rPr>
-              <a:t> argument (beware!)</a:t>
-            </a:r>
-          </a:p>
-          <a:p>
-            <a:pPr lvl="1"/>
-            <a:endParaRPr lang="en-GB" sz="1800" dirty="0">
-              <a:cs typeface="Courier New" panose="02070309020205020404" pitchFamily="49" charset="0"/>
-            </a:endParaRPr>
-          </a:p>
-          <a:p>
-            <a:pPr lvl="1"/>
-            <a:endParaRPr lang="en-GB" sz="1800" dirty="0">
-              <a:cs typeface="Courier New" panose="02070309020205020404" pitchFamily="49" charset="0"/>
-            </a:endParaRPr>
-          </a:p>
-          <a:p>
-            <a:r>
-              <a:rPr lang="en-GB" sz="2400" dirty="0">
-                <a:cs typeface="Courier New" panose="02070309020205020404" pitchFamily="49" charset="0"/>
-              </a:rPr>
-              <a:t>A specific rule can be specified at the command-line</a:t>
-            </a:r>
-          </a:p>
-          <a:p>
-            <a:pPr lvl="1"/>
-            <a:r>
-              <a:rPr lang="en-GB" sz="1800" dirty="0">
-                <a:highlight>
-                  <a:srgbClr val="C0C0C0"/>
-                </a:highlight>
-                <a:latin typeface="Courier New" panose="02070309020205020404" pitchFamily="49" charset="0"/>
-                <a:cs typeface="Courier New" panose="02070309020205020404" pitchFamily="49" charset="0"/>
-              </a:rPr>
-              <a:t>$ snakemake -j 1 --snakefile </a:t>
-            </a:r>
-            <a:r>
-              <a:rPr lang="en-GB" sz="1800" dirty="0" err="1">
-                <a:highlight>
-                  <a:srgbClr val="C0C0C0"/>
-                </a:highlight>
-                <a:latin typeface="Courier New" panose="02070309020205020404" pitchFamily="49" charset="0"/>
-                <a:cs typeface="Courier New" panose="02070309020205020404" pitchFamily="49" charset="0"/>
-              </a:rPr>
-              <a:t>Snakefile</a:t>
-            </a:r>
-            <a:r>
-              <a:rPr lang="en-GB" sz="1800" dirty="0">
-                <a:highlight>
-                  <a:srgbClr val="C0C0C0"/>
-                </a:highlight>
-                <a:latin typeface="Courier New" panose="02070309020205020404" pitchFamily="49" charset="0"/>
-                <a:cs typeface="Courier New" panose="02070309020205020404" pitchFamily="49" charset="0"/>
-              </a:rPr>
-              <a:t> </a:t>
-            </a:r>
-            <a:r>
-              <a:rPr lang="en-GB" sz="1800" dirty="0" err="1">
-                <a:highlight>
-                  <a:srgbClr val="C0C0C0"/>
-                </a:highlight>
-                <a:latin typeface="Courier New" panose="02070309020205020404" pitchFamily="49" charset="0"/>
-                <a:cs typeface="Courier New" panose="02070309020205020404" pitchFamily="49" charset="0"/>
-              </a:rPr>
-              <a:t>third_rule</a:t>
-            </a:r>
-            <a:endParaRPr lang="en-GB" sz="1800" dirty="0">
-              <a:cs typeface="Courier New" panose="02070309020205020404" pitchFamily="49" charset="0"/>
-            </a:endParaRPr>
+              <a:t>input</a:t>
+            </a:r>
           </a:p>
         </p:txBody>
       </p:sp>
     </p:spTree>
     <p:extLst>
       <p:ext uri="{BB962C8B-B14F-4D97-AF65-F5344CB8AC3E}">
-        <p14:creationId xmlns:p14="http://schemas.microsoft.com/office/powerpoint/2010/main" val="692825558"/>
+        <p14:creationId xmlns:p14="http://schemas.microsoft.com/office/powerpoint/2010/main" val="2047320816"/>
       </p:ext>
     </p:extLst>
   </p:cSld>
